--- a/Tugas 3/Kelompok 4.pptx
+++ b/Tugas 3/Kelompok 4.pptx
@@ -5,11 +5,16 @@
     <p:sldMasterId id="2147483660" r:id="rId1"/>
   </p:sldMasterIdLst>
   <p:sldIdLst>
-    <p:sldId id="256" r:id="rId2"/>
-    <p:sldId id="257" r:id="rId3"/>
-    <p:sldId id="258" r:id="rId4"/>
-    <p:sldId id="260" r:id="rId5"/>
-    <p:sldId id="259" r:id="rId6"/>
+    <p:sldId id="263" r:id="rId2"/>
+    <p:sldId id="261" r:id="rId3"/>
+    <p:sldId id="262" r:id="rId4"/>
+    <p:sldId id="264" r:id="rId5"/>
+    <p:sldId id="265" r:id="rId6"/>
+    <p:sldId id="256" r:id="rId7"/>
+    <p:sldId id="257" r:id="rId8"/>
+    <p:sldId id="258" r:id="rId9"/>
+    <p:sldId id="260" r:id="rId10"/>
+    <p:sldId id="259" r:id="rId11"/>
   </p:sldIdLst>
   <p:sldSz cx="9144000" cy="6858000" type="screen4x3"/>
   <p:notesSz cx="6858000" cy="9144000"/>
@@ -108,6 +113,22 @@
       </a:defRPr>
     </a:lvl9pPr>
   </p:defaultTextStyle>
+  <p:extLst>
+    <p:ext uri="{EFAFB233-063F-42B5-8137-9DF3F51BA10A}">
+      <p15:sldGuideLst xmlns:p15="http://schemas.microsoft.com/office/powerpoint/2012/main">
+        <p15:guide id="1" orient="horz" pos="2160">
+          <p15:clr>
+            <a:srgbClr val="A4A3A4"/>
+          </p15:clr>
+        </p15:guide>
+        <p15:guide id="2" pos="2880">
+          <p15:clr>
+            <a:srgbClr val="A4A3A4"/>
+          </p15:clr>
+        </p15:guide>
+      </p15:sldGuideLst>
+    </p:ext>
+  </p:extLst>
 </p:presentation>
 </file>
 
@@ -203,9 +224,7 @@
         </p:style>
         <p:txBody>
           <a:bodyPr anchor="ctr"/>
-          <a:lstStyle>
-            <a:extLst/>
-          </a:lstStyle>
+          <a:lstStyle/>
           <a:p>
             <a:pPr algn="ctr" eaLnBrk="1" latinLnBrk="0" hangingPunct="1"/>
             <a:endParaRPr kumimoji="0" lang="en-US"/>
@@ -275,9 +294,7 @@
         </p:style>
         <p:txBody>
           <a:bodyPr anchor="ctr"/>
-          <a:lstStyle>
-            <a:extLst/>
-          </a:lstStyle>
+          <a:lstStyle/>
           <a:p>
             <a:pPr algn="ctr" eaLnBrk="1" latinLnBrk="0" hangingPunct="1"/>
             <a:endParaRPr kumimoji="0" lang="en-US"/>
@@ -411,13 +428,11 @@
         <p:spPr/>
         <p:txBody>
           <a:bodyPr/>
-          <a:lstStyle>
-            <a:extLst/>
-          </a:lstStyle>
+          <a:lstStyle/>
           <a:p>
             <a:fld id="{E90F4D01-4AA5-42F9-B88B-5BB8FBD402BE}" type="datetimeFigureOut">
               <a:rPr lang="en-US" smtClean="0"/>
-              <a:t>4/28/2019</a:t>
+              <a:t>4/29/2019</a:t>
             </a:fld>
             <a:endParaRPr lang="en-US"/>
           </a:p>
@@ -436,9 +451,7 @@
         <p:spPr/>
         <p:txBody>
           <a:bodyPr/>
-          <a:lstStyle>
-            <a:extLst/>
-          </a:lstStyle>
+          <a:lstStyle/>
           <a:p>
             <a:endParaRPr lang="en-US"/>
           </a:p>
@@ -457,9 +470,7 @@
         <p:spPr/>
         <p:txBody>
           <a:bodyPr/>
-          <a:lstStyle>
-            <a:extLst/>
-          </a:lstStyle>
+          <a:lstStyle/>
           <a:p>
             <a:fld id="{783E3602-451E-4998-A0F9-51F29A4E1AEF}" type="slidenum">
               <a:rPr lang="en-US" smtClean="0"/>
@@ -512,9 +523,7 @@
         </p:spPr>
         <p:txBody>
           <a:bodyPr/>
-          <a:lstStyle>
-            <a:extLst/>
-          </a:lstStyle>
+          <a:lstStyle/>
           <a:p>
             <a:r>
               <a:rPr kumimoji="0" lang="en-US" smtClean="0"/>
@@ -542,9 +551,7 @@
         </p:spPr>
         <p:txBody>
           <a:bodyPr vert="eaVert"/>
-          <a:lstStyle>
-            <a:extLst/>
-          </a:lstStyle>
+          <a:lstStyle/>
           <a:p>
             <a:pPr lvl="0" eaLnBrk="1" latinLnBrk="0" hangingPunct="1"/>
             <a:r>
@@ -596,13 +603,11 @@
         <p:spPr/>
         <p:txBody>
           <a:bodyPr/>
-          <a:lstStyle>
-            <a:extLst/>
-          </a:lstStyle>
+          <a:lstStyle/>
           <a:p>
             <a:fld id="{E90F4D01-4AA5-42F9-B88B-5BB8FBD402BE}" type="datetimeFigureOut">
               <a:rPr lang="en-US" smtClean="0"/>
-              <a:t>4/28/2019</a:t>
+              <a:t>4/29/2019</a:t>
             </a:fld>
             <a:endParaRPr lang="en-US"/>
           </a:p>
@@ -621,9 +626,7 @@
         <p:spPr/>
         <p:txBody>
           <a:bodyPr/>
-          <a:lstStyle>
-            <a:extLst/>
-          </a:lstStyle>
+          <a:lstStyle/>
           <a:p>
             <a:endParaRPr lang="en-US"/>
           </a:p>
@@ -642,9 +645,7 @@
         <p:spPr/>
         <p:txBody>
           <a:bodyPr/>
-          <a:lstStyle>
-            <a:extLst/>
-          </a:lstStyle>
+          <a:lstStyle/>
           <a:p>
             <a:fld id="{783E3602-451E-4998-A0F9-51F29A4E1AEF}" type="slidenum">
               <a:rPr lang="en-US" smtClean="0"/>
@@ -697,9 +698,7 @@
         </p:spPr>
         <p:txBody>
           <a:bodyPr vert="eaVert"/>
-          <a:lstStyle>
-            <a:extLst/>
-          </a:lstStyle>
+          <a:lstStyle/>
           <a:p>
             <a:r>
               <a:rPr kumimoji="0" lang="en-US" smtClean="0"/>
@@ -727,9 +726,7 @@
         </p:spPr>
         <p:txBody>
           <a:bodyPr vert="eaVert"/>
-          <a:lstStyle>
-            <a:extLst/>
-          </a:lstStyle>
+          <a:lstStyle/>
           <a:p>
             <a:pPr lvl="0" eaLnBrk="1" latinLnBrk="0" hangingPunct="1"/>
             <a:r>
@@ -781,13 +778,11 @@
         <p:spPr/>
         <p:txBody>
           <a:bodyPr/>
-          <a:lstStyle>
-            <a:extLst/>
-          </a:lstStyle>
+          <a:lstStyle/>
           <a:p>
             <a:fld id="{E90F4D01-4AA5-42F9-B88B-5BB8FBD402BE}" type="datetimeFigureOut">
               <a:rPr lang="en-US" smtClean="0"/>
-              <a:t>4/28/2019</a:t>
+              <a:t>4/29/2019</a:t>
             </a:fld>
             <a:endParaRPr lang="en-US"/>
           </a:p>
@@ -806,9 +801,7 @@
         <p:spPr/>
         <p:txBody>
           <a:bodyPr/>
-          <a:lstStyle>
-            <a:extLst/>
-          </a:lstStyle>
+          <a:lstStyle/>
           <a:p>
             <a:endParaRPr lang="en-US"/>
           </a:p>
@@ -827,9 +820,7 @@
         <p:spPr/>
         <p:txBody>
           <a:bodyPr/>
-          <a:lstStyle>
-            <a:extLst/>
-          </a:lstStyle>
+          <a:lstStyle/>
           <a:p>
             <a:fld id="{783E3602-451E-4998-A0F9-51F29A4E1AEF}" type="slidenum">
               <a:rPr lang="en-US" smtClean="0"/>
@@ -882,9 +873,7 @@
         </p:spPr>
         <p:txBody>
           <a:bodyPr/>
-          <a:lstStyle>
-            <a:extLst/>
-          </a:lstStyle>
+          <a:lstStyle/>
           <a:p>
             <a:r>
               <a:rPr kumimoji="0" lang="en-US" smtClean="0"/>
@@ -912,9 +901,7 @@
         </p:spPr>
         <p:txBody>
           <a:bodyPr/>
-          <a:lstStyle>
-            <a:extLst/>
-          </a:lstStyle>
+          <a:lstStyle/>
           <a:p>
             <a:pPr lvl="0" eaLnBrk="1" latinLnBrk="0" hangingPunct="1"/>
             <a:r>
@@ -966,13 +953,11 @@
         <p:spPr/>
         <p:txBody>
           <a:bodyPr/>
-          <a:lstStyle>
-            <a:extLst/>
-          </a:lstStyle>
+          <a:lstStyle/>
           <a:p>
             <a:fld id="{E90F4D01-4AA5-42F9-B88B-5BB8FBD402BE}" type="datetimeFigureOut">
               <a:rPr lang="en-US" smtClean="0"/>
-              <a:t>4/28/2019</a:t>
+              <a:t>4/29/2019</a:t>
             </a:fld>
             <a:endParaRPr lang="en-US"/>
           </a:p>
@@ -991,9 +976,7 @@
         <p:spPr/>
         <p:txBody>
           <a:bodyPr/>
-          <a:lstStyle>
-            <a:extLst/>
-          </a:lstStyle>
+          <a:lstStyle/>
           <a:p>
             <a:endParaRPr lang="en-US"/>
           </a:p>
@@ -1012,9 +995,7 @@
         <p:spPr/>
         <p:txBody>
           <a:bodyPr/>
-          <a:lstStyle>
-            <a:extLst/>
-          </a:lstStyle>
+          <a:lstStyle/>
           <a:p>
             <a:fld id="{783E3602-451E-4998-A0F9-51F29A4E1AEF}" type="slidenum">
               <a:rPr lang="en-US" smtClean="0"/>
@@ -1124,9 +1105,7 @@
         </p:style>
         <p:txBody>
           <a:bodyPr anchor="ctr"/>
-          <a:lstStyle>
-            <a:extLst/>
-          </a:lstStyle>
+          <a:lstStyle/>
           <a:p>
             <a:pPr algn="ctr" eaLnBrk="1" latinLnBrk="0" hangingPunct="1"/>
             <a:endParaRPr kumimoji="0" lang="en-US"/>
@@ -1196,9 +1175,7 @@
         </p:style>
         <p:txBody>
           <a:bodyPr anchor="ctr"/>
-          <a:lstStyle>
-            <a:extLst/>
-          </a:lstStyle>
+          <a:lstStyle/>
           <a:p>
             <a:pPr algn="ctr" eaLnBrk="1" latinLnBrk="0" hangingPunct="1"/>
             <a:endParaRPr kumimoji="0" lang="en-US"/>
@@ -1347,13 +1324,11 @@
         <p:spPr/>
         <p:txBody>
           <a:bodyPr/>
-          <a:lstStyle>
-            <a:extLst/>
-          </a:lstStyle>
+          <a:lstStyle/>
           <a:p>
             <a:fld id="{E90F4D01-4AA5-42F9-B88B-5BB8FBD402BE}" type="datetimeFigureOut">
               <a:rPr lang="en-US" smtClean="0"/>
-              <a:t>4/28/2019</a:t>
+              <a:t>4/29/2019</a:t>
             </a:fld>
             <a:endParaRPr lang="en-US"/>
           </a:p>
@@ -1372,9 +1347,7 @@
         <p:spPr/>
         <p:txBody>
           <a:bodyPr/>
-          <a:lstStyle>
-            <a:extLst/>
-          </a:lstStyle>
+          <a:lstStyle/>
           <a:p>
             <a:endParaRPr lang="en-US"/>
           </a:p>
@@ -1393,9 +1366,7 @@
         <p:spPr/>
         <p:txBody>
           <a:bodyPr/>
-          <a:lstStyle>
-            <a:extLst/>
-          </a:lstStyle>
+          <a:lstStyle/>
           <a:p>
             <a:fld id="{783E3602-451E-4998-A0F9-51F29A4E1AEF}" type="slidenum">
               <a:rPr lang="en-US" smtClean="0"/>
@@ -1443,9 +1414,7 @@
         <p:spPr/>
         <p:txBody>
           <a:bodyPr/>
-          <a:lstStyle>
-            <a:extLst/>
-          </a:lstStyle>
+          <a:lstStyle/>
           <a:p>
             <a:r>
               <a:rPr kumimoji="0" lang="en-US" smtClean="0"/>
@@ -1616,13 +1585,11 @@
         <p:spPr/>
         <p:txBody>
           <a:bodyPr/>
-          <a:lstStyle>
-            <a:extLst/>
-          </a:lstStyle>
+          <a:lstStyle/>
           <a:p>
             <a:fld id="{E90F4D01-4AA5-42F9-B88B-5BB8FBD402BE}" type="datetimeFigureOut">
               <a:rPr lang="en-US" smtClean="0"/>
-              <a:t>4/28/2019</a:t>
+              <a:t>4/29/2019</a:t>
             </a:fld>
             <a:endParaRPr lang="en-US"/>
           </a:p>
@@ -1641,9 +1608,7 @@
         <p:spPr/>
         <p:txBody>
           <a:bodyPr/>
-          <a:lstStyle>
-            <a:extLst/>
-          </a:lstStyle>
+          <a:lstStyle/>
           <a:p>
             <a:endParaRPr lang="en-US"/>
           </a:p>
@@ -1662,9 +1627,7 @@
         <p:spPr/>
         <p:txBody>
           <a:bodyPr/>
-          <a:lstStyle>
-            <a:extLst/>
-          </a:lstStyle>
+          <a:lstStyle/>
           <a:p>
             <a:fld id="{783E3602-451E-4998-A0F9-51F29A4E1AEF}" type="slidenum">
               <a:rPr lang="en-US" smtClean="0"/>
@@ -2001,13 +1964,11 @@
         <p:spPr/>
         <p:txBody>
           <a:bodyPr/>
-          <a:lstStyle>
-            <a:extLst/>
-          </a:lstStyle>
+          <a:lstStyle/>
           <a:p>
             <a:fld id="{E90F4D01-4AA5-42F9-B88B-5BB8FBD402BE}" type="datetimeFigureOut">
               <a:rPr lang="en-US" smtClean="0"/>
-              <a:t>4/28/2019</a:t>
+              <a:t>4/29/2019</a:t>
             </a:fld>
             <a:endParaRPr lang="en-US"/>
           </a:p>
@@ -2026,9 +1987,7 @@
         <p:spPr/>
         <p:txBody>
           <a:bodyPr/>
-          <a:lstStyle>
-            <a:extLst/>
-          </a:lstStyle>
+          <a:lstStyle/>
           <a:p>
             <a:endParaRPr lang="en-US"/>
           </a:p>
@@ -2047,9 +2006,7 @@
         <p:spPr/>
         <p:txBody>
           <a:bodyPr/>
-          <a:lstStyle>
-            <a:extLst/>
-          </a:lstStyle>
+          <a:lstStyle/>
           <a:p>
             <a:fld id="{783E3602-451E-4998-A0F9-51F29A4E1AEF}" type="slidenum">
               <a:rPr lang="en-US" smtClean="0"/>
@@ -2097,9 +2054,7 @@
         <p:spPr/>
         <p:txBody>
           <a:bodyPr/>
-          <a:lstStyle>
-            <a:extLst/>
-          </a:lstStyle>
+          <a:lstStyle/>
           <a:p>
             <a:r>
               <a:rPr kumimoji="0" lang="en-US" smtClean="0"/>
@@ -2122,13 +2077,11 @@
         <p:spPr/>
         <p:txBody>
           <a:bodyPr/>
-          <a:lstStyle>
-            <a:extLst/>
-          </a:lstStyle>
+          <a:lstStyle/>
           <a:p>
             <a:fld id="{E90F4D01-4AA5-42F9-B88B-5BB8FBD402BE}" type="datetimeFigureOut">
               <a:rPr lang="en-US" smtClean="0"/>
-              <a:t>4/28/2019</a:t>
+              <a:t>4/29/2019</a:t>
             </a:fld>
             <a:endParaRPr lang="en-US"/>
           </a:p>
@@ -2147,9 +2100,7 @@
         <p:spPr/>
         <p:txBody>
           <a:bodyPr/>
-          <a:lstStyle>
-            <a:extLst/>
-          </a:lstStyle>
+          <a:lstStyle/>
           <a:p>
             <a:endParaRPr lang="en-US"/>
           </a:p>
@@ -2168,9 +2119,7 @@
         <p:spPr/>
         <p:txBody>
           <a:bodyPr/>
-          <a:lstStyle>
-            <a:extLst/>
-          </a:lstStyle>
+          <a:lstStyle/>
           <a:p>
             <a:fld id="{783E3602-451E-4998-A0F9-51F29A4E1AEF}" type="slidenum">
               <a:rPr lang="en-US" smtClean="0"/>
@@ -2280,9 +2229,7 @@
         </p:style>
         <p:txBody>
           <a:bodyPr anchor="ctr"/>
-          <a:lstStyle>
-            <a:extLst/>
-          </a:lstStyle>
+          <a:lstStyle/>
           <a:p>
             <a:pPr algn="ctr" eaLnBrk="1" latinLnBrk="0" hangingPunct="1"/>
             <a:endParaRPr kumimoji="0" lang="en-US"/>
@@ -2302,13 +2249,11 @@
         <p:spPr/>
         <p:txBody>
           <a:bodyPr/>
-          <a:lstStyle>
-            <a:extLst/>
-          </a:lstStyle>
+          <a:lstStyle/>
           <a:p>
             <a:fld id="{E90F4D01-4AA5-42F9-B88B-5BB8FBD402BE}" type="datetimeFigureOut">
               <a:rPr lang="en-US" smtClean="0"/>
-              <a:t>4/28/2019</a:t>
+              <a:t>4/29/2019</a:t>
             </a:fld>
             <a:endParaRPr lang="en-US"/>
           </a:p>
@@ -2327,9 +2272,7 @@
         <p:spPr/>
         <p:txBody>
           <a:bodyPr/>
-          <a:lstStyle>
-            <a:extLst/>
-          </a:lstStyle>
+          <a:lstStyle/>
           <a:p>
             <a:endParaRPr lang="en-US"/>
           </a:p>
@@ -2348,9 +2291,7 @@
         <p:spPr/>
         <p:txBody>
           <a:bodyPr/>
-          <a:lstStyle>
-            <a:extLst/>
-          </a:lstStyle>
+          <a:lstStyle/>
           <a:p>
             <a:fld id="{783E3602-451E-4998-A0F9-51F29A4E1AEF}" type="slidenum">
               <a:rPr lang="en-US" smtClean="0"/>
@@ -2636,13 +2577,11 @@
         <p:spPr/>
         <p:txBody>
           <a:bodyPr/>
-          <a:lstStyle>
-            <a:extLst/>
-          </a:lstStyle>
+          <a:lstStyle/>
           <a:p>
             <a:fld id="{E90F4D01-4AA5-42F9-B88B-5BB8FBD402BE}" type="datetimeFigureOut">
               <a:rPr lang="en-US" smtClean="0"/>
-              <a:t>4/28/2019</a:t>
+              <a:t>4/29/2019</a:t>
             </a:fld>
             <a:endParaRPr lang="en-US"/>
           </a:p>
@@ -2661,9 +2600,7 @@
         <p:spPr/>
         <p:txBody>
           <a:bodyPr/>
-          <a:lstStyle>
-            <a:extLst/>
-          </a:lstStyle>
+          <a:lstStyle/>
           <a:p>
             <a:endParaRPr lang="en-US"/>
           </a:p>
@@ -2682,9 +2619,7 @@
         <p:spPr/>
         <p:txBody>
           <a:bodyPr/>
-          <a:lstStyle>
-            <a:extLst/>
-          </a:lstStyle>
+          <a:lstStyle/>
           <a:p>
             <a:fld id="{783E3602-451E-4998-A0F9-51F29A4E1AEF}" type="slidenum">
               <a:rPr lang="en-US" smtClean="0"/>
@@ -2794,9 +2729,7 @@
         </p:style>
         <p:txBody>
           <a:bodyPr anchor="ctr"/>
-          <a:lstStyle>
-            <a:extLst/>
-          </a:lstStyle>
+          <a:lstStyle/>
           <a:p>
             <a:pPr algn="ctr" eaLnBrk="1" latinLnBrk="0" hangingPunct="1"/>
             <a:endParaRPr kumimoji="0" lang="en-US"/>
@@ -2844,9 +2777,7 @@
         </p:style>
         <p:txBody>
           <a:bodyPr anchor="ctr"/>
-          <a:lstStyle>
-            <a:extLst/>
-          </a:lstStyle>
+          <a:lstStyle/>
           <a:p>
             <a:pPr algn="ctr" eaLnBrk="1" latinLnBrk="0" hangingPunct="1"/>
             <a:endParaRPr kumimoji="0" lang="en-US"/>
@@ -3005,13 +2936,11 @@
         <p:spPr/>
         <p:txBody>
           <a:bodyPr/>
-          <a:lstStyle>
-            <a:extLst/>
-          </a:lstStyle>
+          <a:lstStyle/>
           <a:p>
             <a:fld id="{E90F4D01-4AA5-42F9-B88B-5BB8FBD402BE}" type="datetimeFigureOut">
               <a:rPr lang="en-US" smtClean="0"/>
-              <a:t>4/28/2019</a:t>
+              <a:t>4/29/2019</a:t>
             </a:fld>
             <a:endParaRPr lang="en-US"/>
           </a:p>
@@ -3030,9 +2959,7 @@
         <p:spPr/>
         <p:txBody>
           <a:bodyPr/>
-          <a:lstStyle>
-            <a:extLst/>
-          </a:lstStyle>
+          <a:lstStyle/>
           <a:p>
             <a:endParaRPr lang="en-US"/>
           </a:p>
@@ -3051,9 +2978,7 @@
         <p:spPr/>
         <p:txBody>
           <a:bodyPr/>
-          <a:lstStyle>
-            <a:extLst/>
-          </a:lstStyle>
+          <a:lstStyle/>
           <a:p>
             <a:fld id="{783E3602-451E-4998-A0F9-51F29A4E1AEF}" type="slidenum">
               <a:rPr lang="en-US" smtClean="0"/>
@@ -3213,9 +3138,7 @@
         </p:style>
         <p:txBody>
           <a:bodyPr anchor="ctr"/>
-          <a:lstStyle>
-            <a:extLst/>
-          </a:lstStyle>
+          <a:lstStyle/>
           <a:p>
             <a:pPr algn="ctr" eaLnBrk="1" latinLnBrk="0" hangingPunct="1"/>
             <a:endParaRPr kumimoji="0" lang="en-US"/>
@@ -3285,9 +3208,7 @@
         </p:style>
         <p:txBody>
           <a:bodyPr anchor="ctr"/>
-          <a:lstStyle>
-            <a:extLst/>
-          </a:lstStyle>
+          <a:lstStyle/>
           <a:p>
             <a:pPr algn="ctr" eaLnBrk="1" latinLnBrk="0" hangingPunct="1"/>
             <a:endParaRPr kumimoji="0" lang="en-US"/>
@@ -3317,9 +3238,7 @@
           <a:bodyPr vert="horz" anchor="b">
             <a:normAutofit/>
           </a:bodyPr>
-          <a:lstStyle>
-            <a:extLst/>
-          </a:lstStyle>
+          <a:lstStyle/>
           <a:p>
             <a:r>
               <a:rPr kumimoji="0" lang="en-US" smtClean="0"/>
@@ -3352,9 +3271,7 @@
           <a:bodyPr vert="horz" lIns="182880" tIns="91440">
             <a:normAutofit/>
           </a:bodyPr>
-          <a:lstStyle>
-            <a:extLst/>
-          </a:lstStyle>
+          <a:lstStyle/>
           <a:p>
             <a:pPr lvl="0" eaLnBrk="1" latinLnBrk="0" hangingPunct="1"/>
             <a:r>
@@ -3429,7 +3346,7 @@
           <a:p>
             <a:fld id="{E90F4D01-4AA5-42F9-B88B-5BB8FBD402BE}" type="datetimeFigureOut">
               <a:rPr lang="en-US" smtClean="0"/>
-              <a:t>4/28/2019</a:t>
+              <a:t>4/29/2019</a:t>
             </a:fld>
             <a:endParaRPr lang="en-US"/>
           </a:p>
@@ -3876,13 +3793,226 @@
             <a:spLocks noGrp="1"/>
           </p:cNvSpPr>
           <p:nvPr>
-            <p:ph type="ctrTitle"/>
+            <p:ph type="title"/>
           </p:nvPr>
         </p:nvSpPr>
         <p:spPr>
           <a:xfrm>
-            <a:off x="457200" y="1219200"/>
-            <a:ext cx="8229600" cy="2133600"/>
+            <a:off x="502920" y="4718304"/>
+            <a:ext cx="8183880" cy="1051560"/>
+          </a:xfrm>
+        </p:spPr>
+        <p:txBody>
+          <a:bodyPr>
+            <a:normAutofit/>
+          </a:bodyPr>
+          <a:lstStyle/>
+          <a:p>
+            <a:pPr marL="0" indent="0"/>
+            <a:r>
+              <a:rPr lang="en-US" sz="4000" dirty="0" err="1" smtClean="0"/>
+              <a:t>Regresi</a:t>
+            </a:r>
+            <a:r>
+              <a:rPr lang="en-US" sz="4000" dirty="0" smtClean="0"/>
+              <a:t> </a:t>
+            </a:r>
+            <a:endParaRPr lang="en-US" sz="4000" dirty="0"/>
+          </a:p>
+        </p:txBody>
+      </p:sp>
+      <p:sp>
+        <p:nvSpPr>
+          <p:cNvPr id="3" name="Content Placeholder 2"/>
+          <p:cNvSpPr>
+            <a:spLocks noGrp="1"/>
+          </p:cNvSpPr>
+          <p:nvPr>
+            <p:ph idx="1"/>
+          </p:nvPr>
+        </p:nvSpPr>
+        <p:spPr/>
+        <p:txBody>
+          <a:bodyPr/>
+          <a:lstStyle/>
+          <a:p>
+            <a:pPr algn="ctr"/>
+            <a:r>
+              <a:rPr lang="en-US" dirty="0" err="1" smtClean="0">
+                <a:latin typeface="Arial" panose="020B0604020202020204" pitchFamily="34" charset="0"/>
+                <a:cs typeface="Arial" panose="020B0604020202020204" pitchFamily="34" charset="0"/>
+              </a:rPr>
+              <a:t>Kelompok</a:t>
+            </a:r>
+            <a:r>
+              <a:rPr lang="en-US" dirty="0" smtClean="0">
+                <a:latin typeface="Arial" panose="020B0604020202020204" pitchFamily="34" charset="0"/>
+                <a:cs typeface="Arial" panose="020B0604020202020204" pitchFamily="34" charset="0"/>
+              </a:rPr>
+              <a:t> 4</a:t>
+            </a:r>
+          </a:p>
+          <a:p>
+            <a:pPr marL="0" indent="0" algn="ctr">
+              <a:buNone/>
+            </a:pPr>
+            <a:endParaRPr lang="en-US" dirty="0" smtClean="0">
+              <a:latin typeface="Arial" panose="020B0604020202020204" pitchFamily="34" charset="0"/>
+              <a:cs typeface="Arial" panose="020B0604020202020204" pitchFamily="34" charset="0"/>
+            </a:endParaRPr>
+          </a:p>
+          <a:p>
+            <a:pPr marL="0" indent="0" algn="ctr">
+              <a:buNone/>
+            </a:pPr>
+            <a:endParaRPr lang="en-US" dirty="0">
+              <a:latin typeface="Arial" panose="020B0604020202020204" pitchFamily="34" charset="0"/>
+              <a:cs typeface="Arial" panose="020B0604020202020204" pitchFamily="34" charset="0"/>
+            </a:endParaRPr>
+          </a:p>
+          <a:p>
+            <a:pPr marL="0" indent="0" algn="ctr">
+              <a:buNone/>
+            </a:pPr>
+            <a:r>
+              <a:rPr lang="en-US" sz="1800" dirty="0" err="1" smtClean="0">
+                <a:latin typeface="Arial" panose="020B0604020202020204" pitchFamily="34" charset="0"/>
+                <a:cs typeface="Arial" panose="020B0604020202020204" pitchFamily="34" charset="0"/>
+              </a:rPr>
+              <a:t>Deigo</a:t>
+            </a:r>
+            <a:endParaRPr lang="en-US" sz="1800" dirty="0" smtClean="0">
+              <a:latin typeface="Arial" panose="020B0604020202020204" pitchFamily="34" charset="0"/>
+              <a:cs typeface="Arial" panose="020B0604020202020204" pitchFamily="34" charset="0"/>
+            </a:endParaRPr>
+          </a:p>
+          <a:p>
+            <a:pPr marL="0" indent="0" algn="ctr">
+              <a:buNone/>
+            </a:pPr>
+            <a:r>
+              <a:rPr lang="en-US" sz="1800" dirty="0" smtClean="0">
+                <a:latin typeface="Arial" panose="020B0604020202020204" pitchFamily="34" charset="0"/>
+                <a:cs typeface="Arial" panose="020B0604020202020204" pitchFamily="34" charset="0"/>
+              </a:rPr>
+              <a:t>Mona Agnes Yolanda – 54415307</a:t>
+            </a:r>
+          </a:p>
+          <a:p>
+            <a:pPr marL="0" indent="0" algn="ctr">
+              <a:buNone/>
+            </a:pPr>
+            <a:r>
+              <a:rPr lang="en-US" sz="1800" dirty="0" smtClean="0">
+                <a:latin typeface="Arial" panose="020B0604020202020204" pitchFamily="34" charset="0"/>
+                <a:cs typeface="Arial" panose="020B0604020202020204" pitchFamily="34" charset="0"/>
+              </a:rPr>
+              <a:t>M. Ken </a:t>
+            </a:r>
+            <a:r>
+              <a:rPr lang="en-US" sz="1800" dirty="0" err="1" smtClean="0">
+                <a:latin typeface="Arial" panose="020B0604020202020204" pitchFamily="34" charset="0"/>
+                <a:cs typeface="Arial" panose="020B0604020202020204" pitchFamily="34" charset="0"/>
+              </a:rPr>
+              <a:t>Fahriza</a:t>
+            </a:r>
+            <a:endParaRPr lang="en-US" sz="1800" dirty="0" smtClean="0">
+              <a:latin typeface="Arial" panose="020B0604020202020204" pitchFamily="34" charset="0"/>
+              <a:cs typeface="Arial" panose="020B0604020202020204" pitchFamily="34" charset="0"/>
+            </a:endParaRPr>
+          </a:p>
+          <a:p>
+            <a:pPr marL="0" indent="0" algn="ctr">
+              <a:buNone/>
+            </a:pPr>
+            <a:r>
+              <a:rPr lang="en-US" sz="1800" dirty="0" err="1" smtClean="0">
+                <a:latin typeface="Arial" panose="020B0604020202020204" pitchFamily="34" charset="0"/>
+                <a:cs typeface="Arial" panose="020B0604020202020204" pitchFamily="34" charset="0"/>
+              </a:rPr>
+              <a:t>Silvano</a:t>
+            </a:r>
+            <a:r>
+              <a:rPr lang="en-US" sz="1800" dirty="0" smtClean="0">
+                <a:latin typeface="Arial" panose="020B0604020202020204" pitchFamily="34" charset="0"/>
+                <a:cs typeface="Arial" panose="020B0604020202020204" pitchFamily="34" charset="0"/>
+              </a:rPr>
+              <a:t> </a:t>
+            </a:r>
+            <a:r>
+              <a:rPr lang="en-US" sz="1800" dirty="0" err="1" smtClean="0">
+                <a:latin typeface="Arial" panose="020B0604020202020204" pitchFamily="34" charset="0"/>
+                <a:cs typeface="Arial" panose="020B0604020202020204" pitchFamily="34" charset="0"/>
+              </a:rPr>
+              <a:t>Satria</a:t>
+            </a:r>
+            <a:endParaRPr lang="en-US" sz="1800" dirty="0" smtClean="0">
+              <a:latin typeface="Arial" panose="020B0604020202020204" pitchFamily="34" charset="0"/>
+              <a:cs typeface="Arial" panose="020B0604020202020204" pitchFamily="34" charset="0"/>
+            </a:endParaRPr>
+          </a:p>
+          <a:p>
+            <a:pPr marL="0" indent="0" algn="ctr">
+              <a:buNone/>
+            </a:pPr>
+            <a:r>
+              <a:rPr lang="en-US" sz="1800" dirty="0" smtClean="0">
+                <a:latin typeface="Arial" panose="020B0604020202020204" pitchFamily="34" charset="0"/>
+                <a:cs typeface="Arial" panose="020B0604020202020204" pitchFamily="34" charset="0"/>
+              </a:rPr>
+              <a:t>Yudha Patria</a:t>
+            </a:r>
+            <a:endParaRPr lang="en-US" sz="1800" dirty="0">
+              <a:latin typeface="Arial" panose="020B0604020202020204" pitchFamily="34" charset="0"/>
+              <a:cs typeface="Arial" panose="020B0604020202020204" pitchFamily="34" charset="0"/>
+            </a:endParaRPr>
+          </a:p>
+        </p:txBody>
+      </p:sp>
+    </p:spTree>
+    <p:extLst>
+      <p:ext uri="{BB962C8B-B14F-4D97-AF65-F5344CB8AC3E}">
+        <p14:creationId xmlns:p14="http://schemas.microsoft.com/office/powerpoint/2010/main" val="21881368"/>
+      </p:ext>
+    </p:extLst>
+  </p:cSld>
+  <p:clrMapOvr>
+    <a:masterClrMapping/>
+  </p:clrMapOvr>
+</p:sld>
+</file>
+
+<file path=ppt/slides/slide10.xml><?xml version="1.0" encoding="utf-8"?>
+<p:sld xmlns:a="http://schemas.openxmlformats.org/drawingml/2006/main" xmlns:r="http://schemas.openxmlformats.org/officeDocument/2006/relationships" xmlns:p="http://schemas.openxmlformats.org/presentationml/2006/main">
+  <p:cSld>
+    <p:spTree>
+      <p:nvGrpSpPr>
+        <p:cNvPr id="1" name=""/>
+        <p:cNvGrpSpPr/>
+        <p:nvPr/>
+      </p:nvGrpSpPr>
+      <p:grpSpPr>
+        <a:xfrm>
+          <a:off x="0" y="0"/>
+          <a:ext cx="0" cy="0"/>
+          <a:chOff x="0" y="0"/>
+          <a:chExt cx="0" cy="0"/>
+        </a:xfrm>
+      </p:grpSpPr>
+      <p:sp>
+        <p:nvSpPr>
+          <p:cNvPr id="2" name="Title 1"/>
+          <p:cNvSpPr>
+            <a:spLocks noGrp="1"/>
+          </p:cNvSpPr>
+          <p:nvPr>
+            <p:ph type="title"/>
+          </p:nvPr>
+        </p:nvSpPr>
+        <p:spPr>
+          <a:xfrm>
+            <a:off x="457200" y="533400"/>
+            <a:ext cx="7391400" cy="1051560"/>
           </a:xfrm>
         </p:spPr>
         <p:txBody>
@@ -3893,59 +4023,120 @@
           <a:p>
             <a:r>
               <a:rPr lang="en-US" dirty="0" smtClean="0"/>
-              <a:t>CONTOH IMPLEMENTASI ARTIFICIAL INTELLIGENCE</a:t>
-            </a:r>
-            <a:br>
-              <a:rPr lang="en-US" dirty="0" smtClean="0"/>
-            </a:br>
-            <a:r>
-              <a:rPr lang="en-US" dirty="0" smtClean="0"/>
-              <a:t>DI BIDANG OLAHRAGA</a:t>
-            </a:r>
-            <a:r>
-              <a:rPr lang="en-US" b="1" dirty="0"/>
-              <a:t/>
-            </a:r>
-            <a:br>
-              <a:rPr lang="en-US" b="1" dirty="0"/>
-            </a:br>
+              <a:t>FITUR – FITUR PADA ZEPP GOLF </a:t>
+            </a:r>
             <a:endParaRPr lang="en-US" dirty="0"/>
           </a:p>
         </p:txBody>
       </p:sp>
       <p:sp>
         <p:nvSpPr>
-          <p:cNvPr id="3" name="Subtitle 2"/>
-          <p:cNvSpPr>
-            <a:spLocks noGrp="1"/>
-          </p:cNvSpPr>
-          <p:nvPr>
-            <p:ph type="subTitle" idx="1"/>
-          </p:nvPr>
+          <p:cNvPr id="4" name="TextBox 3"/>
+          <p:cNvSpPr txBox="1"/>
+          <p:nvPr/>
         </p:nvSpPr>
         <p:spPr>
           <a:xfrm>
-            <a:off x="6858000" y="5867400"/>
-            <a:ext cx="1905000" cy="533400"/>
+            <a:off x="533400" y="2133600"/>
+            <a:ext cx="3810000" cy="2308324"/>
           </a:xfrm>
+          <a:prstGeom prst="rect">
+            <a:avLst/>
+          </a:prstGeom>
+          <a:noFill/>
         </p:spPr>
         <p:txBody>
-          <a:bodyPr/>
+          <a:bodyPr wrap="square" rtlCol="0">
+            <a:spAutoFit/>
+          </a:bodyPr>
           <a:lstStyle/>
           <a:p>
-            <a:pPr algn="l"/>
-            <a:r>
-              <a:rPr lang="en-US" dirty="0" err="1" smtClean="0"/>
-              <a:t>Kelompok</a:t>
-            </a:r>
+            <a:pPr>
+              <a:buFont typeface="Wingdings" pitchFamily="2" charset="2"/>
+              <a:buChar char="ü"/>
+            </a:pPr>
             <a:r>
               <a:rPr lang="en-US" dirty="0" smtClean="0"/>
-              <a:t> 4</a:t>
-            </a:r>
+              <a:t>3D SWING ANALYSIS</a:t>
+            </a:r>
+          </a:p>
+          <a:p>
+            <a:endParaRPr lang="en-US" dirty="0" smtClean="0"/>
+          </a:p>
+          <a:p>
+            <a:pPr>
+              <a:buFont typeface="Wingdings" pitchFamily="2" charset="2"/>
+              <a:buChar char="ü"/>
+            </a:pPr>
+            <a:r>
+              <a:rPr lang="en-US" dirty="0" smtClean="0"/>
+              <a:t>INSTANT EVALUATION</a:t>
+            </a:r>
+          </a:p>
+          <a:p>
+            <a:endParaRPr lang="en-US" dirty="0" smtClean="0"/>
+          </a:p>
+          <a:p>
+            <a:pPr>
+              <a:buFont typeface="Wingdings" pitchFamily="2" charset="2"/>
+              <a:buChar char="ü"/>
+            </a:pPr>
+            <a:r>
+              <a:rPr lang="en-US" dirty="0" smtClean="0"/>
+              <a:t>SMART COACH</a:t>
+            </a:r>
+          </a:p>
+          <a:p>
+            <a:pPr>
+              <a:buFont typeface="Wingdings" pitchFamily="2" charset="2"/>
+              <a:buChar char="ü"/>
+            </a:pPr>
             <a:endParaRPr lang="en-US" dirty="0"/>
           </a:p>
-        </p:txBody>
-      </p:sp>
+          <a:p>
+            <a:pPr>
+              <a:buFont typeface="Wingdings" pitchFamily="2" charset="2"/>
+              <a:buChar char="ü"/>
+            </a:pPr>
+            <a:endParaRPr lang="en-US" dirty="0" smtClean="0"/>
+          </a:p>
+          <a:p>
+            <a:endParaRPr lang="en-US" dirty="0"/>
+          </a:p>
+        </p:txBody>
+      </p:sp>
+      <p:pic>
+        <p:nvPicPr>
+          <p:cNvPr id="28675" name="Picture 3"/>
+          <p:cNvPicPr>
+            <a:picLocks noChangeAspect="1" noChangeArrowheads="1"/>
+          </p:cNvPicPr>
+          <p:nvPr/>
+        </p:nvPicPr>
+        <p:blipFill>
+          <a:blip r:embed="rId2" cstate="print"/>
+          <a:srcRect/>
+          <a:stretch>
+            <a:fillRect/>
+          </a:stretch>
+        </p:blipFill>
+        <p:spPr bwMode="auto">
+          <a:xfrm>
+            <a:off x="3733800" y="1828800"/>
+            <a:ext cx="4895850" cy="2802697"/>
+          </a:xfrm>
+          <a:prstGeom prst="rect">
+            <a:avLst/>
+          </a:prstGeom>
+          <a:noFill/>
+          <a:ln w="9525">
+            <a:noFill/>
+            <a:miter lim="800000"/>
+            <a:headEnd/>
+            <a:tailEnd/>
+          </a:ln>
+        </p:spPr>
+      </p:pic>
     </p:spTree>
   </p:cSld>
   <p:clrMapOvr>
@@ -3973,573 +4164,479 @@
       </p:grpSpPr>
       <p:sp>
         <p:nvSpPr>
-          <p:cNvPr id="2" name="Title 1"/>
-          <p:cNvSpPr>
-            <a:spLocks noGrp="1"/>
-          </p:cNvSpPr>
-          <p:nvPr>
-            <p:ph type="title"/>
-          </p:nvPr>
+          <p:cNvPr id="4" name="Rectangle 3"/>
+          <p:cNvSpPr/>
+          <p:nvPr/>
         </p:nvSpPr>
         <p:spPr>
           <a:xfrm>
-            <a:off x="533400" y="762000"/>
-            <a:ext cx="8183880" cy="1051560"/>
-          </a:xfrm>
-        </p:spPr>
-        <p:txBody>
-          <a:bodyPr/>
-          <a:lstStyle/>
-          <a:p>
-            <a:r>
-              <a:rPr lang="en-US" dirty="0" smtClean="0"/>
-              <a:t>SENSOR </a:t>
-            </a:r>
-            <a:r>
-              <a:rPr lang="en-US" dirty="0" smtClean="0"/>
-              <a:t>ZEPP </a:t>
-            </a:r>
-            <a:endParaRPr lang="en-US" dirty="0"/>
-          </a:p>
-        </p:txBody>
-      </p:sp>
-      <p:sp>
-        <p:nvSpPr>
-          <p:cNvPr id="5" name="TextBox 4"/>
-          <p:cNvSpPr txBox="1"/>
-          <p:nvPr/>
-        </p:nvSpPr>
-        <p:spPr>
-          <a:xfrm>
-            <a:off x="533400" y="2286000"/>
-            <a:ext cx="8077200" cy="3416320"/>
+            <a:off x="533400" y="1447800"/>
+            <a:ext cx="7772400" cy="2954655"/>
           </a:xfrm>
           <a:prstGeom prst="rect">
             <a:avLst/>
           </a:prstGeom>
-          <a:noFill/>
         </p:spPr>
         <p:txBody>
-          <a:bodyPr wrap="square" rtlCol="0">
+          <a:bodyPr wrap="square">
             <a:spAutoFit/>
           </a:bodyPr>
           <a:lstStyle/>
           <a:p>
-            <a:r>
-              <a:rPr lang="en-US" dirty="0" err="1"/>
-              <a:t>Dengan</a:t>
-            </a:r>
-            <a:r>
-              <a:rPr lang="en-US" dirty="0"/>
-              <a:t> </a:t>
-            </a:r>
-            <a:r>
-              <a:rPr lang="en-US" dirty="0" err="1"/>
-              <a:t>perkembangan</a:t>
-            </a:r>
-            <a:r>
-              <a:rPr lang="en-US" dirty="0"/>
-              <a:t> </a:t>
-            </a:r>
-            <a:r>
-              <a:rPr lang="en-US" dirty="0" err="1"/>
-              <a:t>inovasi</a:t>
-            </a:r>
-            <a:r>
-              <a:rPr lang="en-US" dirty="0"/>
-              <a:t> </a:t>
-            </a:r>
-            <a:r>
-              <a:rPr lang="en-US" dirty="0" err="1"/>
-              <a:t>teknologi</a:t>
-            </a:r>
-            <a:r>
-              <a:rPr lang="en-US" dirty="0"/>
-              <a:t> </a:t>
-            </a:r>
-            <a:r>
-              <a:rPr lang="en-US" dirty="0" err="1"/>
-              <a:t>di</a:t>
-            </a:r>
-            <a:r>
-              <a:rPr lang="en-US" dirty="0"/>
-              <a:t> </a:t>
-            </a:r>
-            <a:r>
-              <a:rPr lang="en-US" dirty="0" err="1"/>
-              <a:t>dunia</a:t>
-            </a:r>
-            <a:r>
-              <a:rPr lang="en-US" dirty="0"/>
-              <a:t> </a:t>
-            </a:r>
-            <a:r>
-              <a:rPr lang="en-US" dirty="0" err="1"/>
-              <a:t>olahraga</a:t>
-            </a:r>
-            <a:r>
-              <a:rPr lang="en-US" dirty="0"/>
-              <a:t>, </a:t>
-            </a:r>
-            <a:r>
-              <a:rPr lang="en-US" dirty="0" err="1" smtClean="0"/>
-              <a:t>Zepp</a:t>
-            </a:r>
-            <a:r>
-              <a:rPr lang="en-US" dirty="0" smtClean="0"/>
-              <a:t> </a:t>
-            </a:r>
-            <a:r>
-              <a:rPr lang="en-US" dirty="0" err="1" smtClean="0"/>
-              <a:t>menciptakan</a:t>
-            </a:r>
-            <a:r>
-              <a:rPr lang="en-US" dirty="0" smtClean="0"/>
-              <a:t> </a:t>
-            </a:r>
-            <a:r>
-              <a:rPr lang="en-US" dirty="0" err="1"/>
-              <a:t>sebuah</a:t>
-            </a:r>
-            <a:r>
-              <a:rPr lang="en-US" dirty="0"/>
-              <a:t> sensor yang </a:t>
-            </a:r>
-            <a:r>
-              <a:rPr lang="en-US" dirty="0" err="1"/>
-              <a:t>dapat</a:t>
-            </a:r>
-            <a:r>
-              <a:rPr lang="en-US" dirty="0"/>
-              <a:t> </a:t>
-            </a:r>
-            <a:r>
-              <a:rPr lang="en-US" dirty="0" err="1"/>
-              <a:t>di</a:t>
-            </a:r>
-            <a:r>
-              <a:rPr lang="en-US" dirty="0"/>
-              <a:t> </a:t>
-            </a:r>
-            <a:r>
-              <a:rPr lang="en-US" dirty="0" err="1"/>
-              <a:t>pasang</a:t>
-            </a:r>
-            <a:r>
-              <a:rPr lang="en-US" dirty="0"/>
-              <a:t> </a:t>
-            </a:r>
-            <a:r>
-              <a:rPr lang="en-US" dirty="0" err="1"/>
-              <a:t>setiap</a:t>
-            </a:r>
-            <a:r>
-              <a:rPr lang="en-US" dirty="0"/>
-              <a:t> bola, </a:t>
-            </a:r>
-            <a:r>
-              <a:rPr lang="en-US" dirty="0" err="1"/>
-              <a:t>raket</a:t>
-            </a:r>
-            <a:r>
-              <a:rPr lang="en-US" dirty="0"/>
-              <a:t>, </a:t>
-            </a:r>
-            <a:r>
-              <a:rPr lang="en-US" dirty="0" err="1"/>
-              <a:t>alat</a:t>
-            </a:r>
-            <a:r>
-              <a:rPr lang="en-US" dirty="0"/>
-              <a:t> </a:t>
-            </a:r>
-            <a:r>
-              <a:rPr lang="en-US" dirty="0" err="1"/>
-              <a:t>pemukul</a:t>
-            </a:r>
-            <a:r>
-              <a:rPr lang="en-US" dirty="0"/>
-              <a:t> bola, helm, </a:t>
-            </a:r>
-            <a:r>
-              <a:rPr lang="en-US" dirty="0" err="1"/>
-              <a:t>sepatu</a:t>
-            </a:r>
-            <a:r>
-              <a:rPr lang="en-US" dirty="0"/>
-              <a:t>, </a:t>
-            </a:r>
-            <a:r>
-              <a:rPr lang="en-US" dirty="0" err="1"/>
-              <a:t>ikat</a:t>
-            </a:r>
-            <a:r>
-              <a:rPr lang="en-US" dirty="0"/>
-              <a:t> </a:t>
-            </a:r>
-            <a:r>
-              <a:rPr lang="en-US" dirty="0" err="1"/>
-              <a:t>pinggang</a:t>
-            </a:r>
-            <a:r>
-              <a:rPr lang="en-US" dirty="0"/>
-              <a:t>, </a:t>
-            </a:r>
-            <a:r>
-              <a:rPr lang="en-US" dirty="0" err="1"/>
-              <a:t>sarung</a:t>
-            </a:r>
-            <a:r>
-              <a:rPr lang="en-US" dirty="0"/>
-              <a:t> </a:t>
-            </a:r>
-            <a:r>
-              <a:rPr lang="en-US" dirty="0" err="1"/>
-              <a:t>tangan</a:t>
-            </a:r>
-            <a:r>
-              <a:rPr lang="en-US" dirty="0"/>
-              <a:t>, </a:t>
-            </a:r>
-            <a:r>
-              <a:rPr lang="en-US" dirty="0" err="1"/>
-              <a:t>dimana</a:t>
-            </a:r>
-            <a:r>
-              <a:rPr lang="en-US" dirty="0"/>
-              <a:t> data </a:t>
-            </a:r>
-            <a:r>
-              <a:rPr lang="en-US" dirty="0" err="1"/>
+            <a:pPr marL="342900" indent="-342900" algn="just">
+              <a:buFont typeface="Arial" panose="020B0604020202020204" pitchFamily="34" charset="0"/>
+              <a:buChar char="•"/>
+            </a:pPr>
+            <a:r>
+              <a:rPr lang="en-US" sz="2400" dirty="0" err="1">
+                <a:latin typeface="Arial" panose="020B0604020202020204" pitchFamily="34" charset="0"/>
+                <a:cs typeface="Arial" panose="020B0604020202020204" pitchFamily="34" charset="0"/>
+              </a:rPr>
+              <a:t>Pengertian</a:t>
+            </a:r>
+            <a:r>
+              <a:rPr lang="en-US" sz="2400" dirty="0">
+                <a:latin typeface="Arial" panose="020B0604020202020204" pitchFamily="34" charset="0"/>
+                <a:cs typeface="Arial" panose="020B0604020202020204" pitchFamily="34" charset="0"/>
+              </a:rPr>
+              <a:t> </a:t>
+            </a:r>
+            <a:r>
+              <a:rPr lang="en-US" sz="2400" dirty="0" err="1">
+                <a:latin typeface="Arial" panose="020B0604020202020204" pitchFamily="34" charset="0"/>
+                <a:cs typeface="Arial" panose="020B0604020202020204" pitchFamily="34" charset="0"/>
+              </a:rPr>
+              <a:t>Regresi</a:t>
+            </a:r>
+            <a:r>
+              <a:rPr lang="en-US" sz="2400" dirty="0">
+                <a:latin typeface="Arial" panose="020B0604020202020204" pitchFamily="34" charset="0"/>
+                <a:cs typeface="Arial" panose="020B0604020202020204" pitchFamily="34" charset="0"/>
+              </a:rPr>
+              <a:t>: </a:t>
+            </a:r>
+            <a:r>
+              <a:rPr lang="en-US" sz="2400" dirty="0" err="1">
+                <a:latin typeface="Arial" panose="020B0604020202020204" pitchFamily="34" charset="0"/>
+                <a:cs typeface="Arial" panose="020B0604020202020204" pitchFamily="34" charset="0"/>
+              </a:rPr>
+              <a:t>Apa</a:t>
+            </a:r>
+            <a:r>
+              <a:rPr lang="en-US" sz="2400" dirty="0">
+                <a:latin typeface="Arial" panose="020B0604020202020204" pitchFamily="34" charset="0"/>
+                <a:cs typeface="Arial" panose="020B0604020202020204" pitchFamily="34" charset="0"/>
+              </a:rPr>
+              <a:t> </a:t>
+            </a:r>
+            <a:r>
+              <a:rPr lang="en-US" sz="2400" dirty="0" err="1">
+                <a:latin typeface="Arial" panose="020B0604020202020204" pitchFamily="34" charset="0"/>
+                <a:cs typeface="Arial" panose="020B0604020202020204" pitchFamily="34" charset="0"/>
+              </a:rPr>
+              <a:t>itu</a:t>
+            </a:r>
+            <a:r>
+              <a:rPr lang="en-US" sz="2400" dirty="0">
+                <a:latin typeface="Arial" panose="020B0604020202020204" pitchFamily="34" charset="0"/>
+                <a:cs typeface="Arial" panose="020B0604020202020204" pitchFamily="34" charset="0"/>
+              </a:rPr>
+              <a:t> </a:t>
+            </a:r>
+            <a:r>
+              <a:rPr lang="en-US" sz="2400" dirty="0" err="1">
+                <a:latin typeface="Arial" panose="020B0604020202020204" pitchFamily="34" charset="0"/>
+                <a:cs typeface="Arial" panose="020B0604020202020204" pitchFamily="34" charset="0"/>
+              </a:rPr>
+              <a:t>Regresi</a:t>
+            </a:r>
+            <a:r>
+              <a:rPr lang="en-US" sz="2400" dirty="0">
+                <a:latin typeface="Arial" panose="020B0604020202020204" pitchFamily="34" charset="0"/>
+                <a:cs typeface="Arial" panose="020B0604020202020204" pitchFamily="34" charset="0"/>
+              </a:rPr>
+              <a:t>? | </a:t>
+            </a:r>
+            <a:r>
+              <a:rPr lang="en-US" sz="2400" dirty="0" err="1">
+                <a:latin typeface="Arial" panose="020B0604020202020204" pitchFamily="34" charset="0"/>
+                <a:cs typeface="Arial" panose="020B0604020202020204" pitchFamily="34" charset="0"/>
+              </a:rPr>
+              <a:t>Regresi</a:t>
+            </a:r>
+            <a:r>
+              <a:rPr lang="en-US" sz="2400" dirty="0">
+                <a:latin typeface="Arial" panose="020B0604020202020204" pitchFamily="34" charset="0"/>
+                <a:cs typeface="Arial" panose="020B0604020202020204" pitchFamily="34" charset="0"/>
+              </a:rPr>
+              <a:t> </a:t>
+            </a:r>
+            <a:r>
+              <a:rPr lang="en-US" sz="2400" dirty="0" err="1">
+                <a:latin typeface="Arial" panose="020B0604020202020204" pitchFamily="34" charset="0"/>
+                <a:cs typeface="Arial" panose="020B0604020202020204" pitchFamily="34" charset="0"/>
+              </a:rPr>
+              <a:t>adalah</a:t>
+            </a:r>
+            <a:r>
+              <a:rPr lang="en-US" sz="2400" dirty="0">
+                <a:latin typeface="Arial" panose="020B0604020202020204" pitchFamily="34" charset="0"/>
+                <a:cs typeface="Arial" panose="020B0604020202020204" pitchFamily="34" charset="0"/>
+              </a:rPr>
+              <a:t> </a:t>
+            </a:r>
+            <a:r>
+              <a:rPr lang="en-US" sz="2400" dirty="0" err="1">
+                <a:latin typeface="Arial" panose="020B0604020202020204" pitchFamily="34" charset="0"/>
+                <a:cs typeface="Arial" panose="020B0604020202020204" pitchFamily="34" charset="0"/>
+              </a:rPr>
+              <a:t>suatu</a:t>
+            </a:r>
+            <a:r>
+              <a:rPr lang="en-US" sz="2400" dirty="0">
+                <a:latin typeface="Arial" panose="020B0604020202020204" pitchFamily="34" charset="0"/>
+                <a:cs typeface="Arial" panose="020B0604020202020204" pitchFamily="34" charset="0"/>
+              </a:rPr>
+              <a:t> </a:t>
+            </a:r>
+            <a:r>
+              <a:rPr lang="en-US" sz="2400" dirty="0" err="1">
+                <a:latin typeface="Arial" panose="020B0604020202020204" pitchFamily="34" charset="0"/>
+                <a:cs typeface="Arial" panose="020B0604020202020204" pitchFamily="34" charset="0"/>
+              </a:rPr>
+              <a:t>metode</a:t>
+            </a:r>
+            <a:r>
+              <a:rPr lang="en-US" sz="2400" dirty="0">
+                <a:latin typeface="Arial" panose="020B0604020202020204" pitchFamily="34" charset="0"/>
+                <a:cs typeface="Arial" panose="020B0604020202020204" pitchFamily="34" charset="0"/>
+              </a:rPr>
+              <a:t> </a:t>
+            </a:r>
+            <a:r>
+              <a:rPr lang="en-US" sz="2400" dirty="0" err="1">
+                <a:latin typeface="Arial" panose="020B0604020202020204" pitchFamily="34" charset="0"/>
+                <a:cs typeface="Arial" panose="020B0604020202020204" pitchFamily="34" charset="0"/>
+              </a:rPr>
+              <a:t>analisis</a:t>
+            </a:r>
+            <a:r>
+              <a:rPr lang="en-US" sz="2400" dirty="0">
+                <a:latin typeface="Arial" panose="020B0604020202020204" pitchFamily="34" charset="0"/>
+                <a:cs typeface="Arial" panose="020B0604020202020204" pitchFamily="34" charset="0"/>
+              </a:rPr>
+              <a:t> </a:t>
+            </a:r>
+            <a:r>
+              <a:rPr lang="en-US" sz="2400" dirty="0" err="1">
+                <a:latin typeface="Arial" panose="020B0604020202020204" pitchFamily="34" charset="0"/>
+                <a:cs typeface="Arial" panose="020B0604020202020204" pitchFamily="34" charset="0"/>
+                <a:hlinkClick r:id="rId2"/>
+              </a:rPr>
+              <a:t>statistik</a:t>
+            </a:r>
+            <a:r>
+              <a:rPr lang="en-US" sz="2400" dirty="0">
+                <a:latin typeface="Arial" panose="020B0604020202020204" pitchFamily="34" charset="0"/>
+                <a:cs typeface="Arial" panose="020B0604020202020204" pitchFamily="34" charset="0"/>
+              </a:rPr>
+              <a:t> yang </a:t>
+            </a:r>
+            <a:r>
+              <a:rPr lang="en-US" sz="2400" dirty="0" err="1">
+                <a:latin typeface="Arial" panose="020B0604020202020204" pitchFamily="34" charset="0"/>
+                <a:cs typeface="Arial" panose="020B0604020202020204" pitchFamily="34" charset="0"/>
+              </a:rPr>
+              <a:t>digunakan</a:t>
+            </a:r>
+            <a:r>
+              <a:rPr lang="en-US" sz="2400" dirty="0">
+                <a:latin typeface="Arial" panose="020B0604020202020204" pitchFamily="34" charset="0"/>
+                <a:cs typeface="Arial" panose="020B0604020202020204" pitchFamily="34" charset="0"/>
+              </a:rPr>
+              <a:t> </a:t>
+            </a:r>
+            <a:r>
+              <a:rPr lang="en-US" sz="2400" dirty="0" err="1">
+                <a:latin typeface="Arial" panose="020B0604020202020204" pitchFamily="34" charset="0"/>
+                <a:cs typeface="Arial" panose="020B0604020202020204" pitchFamily="34" charset="0"/>
+              </a:rPr>
+              <a:t>untuk</a:t>
+            </a:r>
+            <a:r>
+              <a:rPr lang="en-US" sz="2400" dirty="0">
+                <a:latin typeface="Arial" panose="020B0604020202020204" pitchFamily="34" charset="0"/>
+                <a:cs typeface="Arial" panose="020B0604020202020204" pitchFamily="34" charset="0"/>
+              </a:rPr>
+              <a:t> </a:t>
+            </a:r>
+            <a:r>
+              <a:rPr lang="en-US" sz="2400" dirty="0" err="1">
+                <a:latin typeface="Arial" panose="020B0604020202020204" pitchFamily="34" charset="0"/>
+                <a:cs typeface="Arial" panose="020B0604020202020204" pitchFamily="34" charset="0"/>
+              </a:rPr>
+              <a:t>melihat</a:t>
+            </a:r>
+            <a:r>
+              <a:rPr lang="en-US" sz="2400" dirty="0">
+                <a:latin typeface="Arial" panose="020B0604020202020204" pitchFamily="34" charset="0"/>
+                <a:cs typeface="Arial" panose="020B0604020202020204" pitchFamily="34" charset="0"/>
+              </a:rPr>
+              <a:t> </a:t>
+            </a:r>
+            <a:r>
+              <a:rPr lang="en-US" sz="2400" dirty="0" err="1">
+                <a:latin typeface="Arial" panose="020B0604020202020204" pitchFamily="34" charset="0"/>
+                <a:cs typeface="Arial" panose="020B0604020202020204" pitchFamily="34" charset="0"/>
+              </a:rPr>
+              <a:t>pengaruh</a:t>
+            </a:r>
+            <a:r>
+              <a:rPr lang="en-US" sz="2400" dirty="0">
+                <a:latin typeface="Arial" panose="020B0604020202020204" pitchFamily="34" charset="0"/>
+                <a:cs typeface="Arial" panose="020B0604020202020204" pitchFamily="34" charset="0"/>
+              </a:rPr>
+              <a:t> </a:t>
+            </a:r>
+            <a:r>
+              <a:rPr lang="en-US" sz="2400" dirty="0" err="1">
+                <a:latin typeface="Arial" panose="020B0604020202020204" pitchFamily="34" charset="0"/>
+                <a:cs typeface="Arial" panose="020B0604020202020204" pitchFamily="34" charset="0"/>
+              </a:rPr>
+              <a:t>antara</a:t>
+            </a:r>
+            <a:r>
+              <a:rPr lang="en-US" sz="2400" dirty="0">
+                <a:latin typeface="Arial" panose="020B0604020202020204" pitchFamily="34" charset="0"/>
+                <a:cs typeface="Arial" panose="020B0604020202020204" pitchFamily="34" charset="0"/>
+              </a:rPr>
+              <a:t> </a:t>
+            </a:r>
+            <a:r>
+              <a:rPr lang="en-US" sz="2400" dirty="0" err="1">
+                <a:latin typeface="Arial" panose="020B0604020202020204" pitchFamily="34" charset="0"/>
+                <a:cs typeface="Arial" panose="020B0604020202020204" pitchFamily="34" charset="0"/>
+              </a:rPr>
+              <a:t>dua</a:t>
+            </a:r>
+            <a:r>
+              <a:rPr lang="en-US" sz="2400" dirty="0">
+                <a:latin typeface="Arial" panose="020B0604020202020204" pitchFamily="34" charset="0"/>
+                <a:cs typeface="Arial" panose="020B0604020202020204" pitchFamily="34" charset="0"/>
+              </a:rPr>
+              <a:t> </a:t>
+            </a:r>
+            <a:r>
+              <a:rPr lang="en-US" sz="2400" dirty="0" err="1">
+                <a:latin typeface="Arial" panose="020B0604020202020204" pitchFamily="34" charset="0"/>
+                <a:cs typeface="Arial" panose="020B0604020202020204" pitchFamily="34" charset="0"/>
+              </a:rPr>
+              <a:t>atau</a:t>
+            </a:r>
+            <a:r>
+              <a:rPr lang="en-US" sz="2400" dirty="0">
+                <a:latin typeface="Arial" panose="020B0604020202020204" pitchFamily="34" charset="0"/>
+                <a:cs typeface="Arial" panose="020B0604020202020204" pitchFamily="34" charset="0"/>
+              </a:rPr>
+              <a:t> </a:t>
+            </a:r>
+            <a:r>
+              <a:rPr lang="en-US" sz="2400" dirty="0" err="1">
+                <a:latin typeface="Arial" panose="020B0604020202020204" pitchFamily="34" charset="0"/>
+                <a:cs typeface="Arial" panose="020B0604020202020204" pitchFamily="34" charset="0"/>
+              </a:rPr>
+              <a:t>lebih</a:t>
+            </a:r>
+            <a:r>
+              <a:rPr lang="en-US" sz="2400" dirty="0">
+                <a:latin typeface="Arial" panose="020B0604020202020204" pitchFamily="34" charset="0"/>
+                <a:cs typeface="Arial" panose="020B0604020202020204" pitchFamily="34" charset="0"/>
+              </a:rPr>
+              <a:t> </a:t>
+            </a:r>
+            <a:r>
+              <a:rPr lang="en-US" sz="2400" dirty="0" err="1">
+                <a:latin typeface="Arial" panose="020B0604020202020204" pitchFamily="34" charset="0"/>
+                <a:cs typeface="Arial" panose="020B0604020202020204" pitchFamily="34" charset="0"/>
+              </a:rPr>
+              <a:t>variabel</a:t>
+            </a:r>
+            <a:r>
+              <a:rPr lang="en-US" sz="2400" dirty="0">
+                <a:latin typeface="Arial" panose="020B0604020202020204" pitchFamily="34" charset="0"/>
+                <a:cs typeface="Arial" panose="020B0604020202020204" pitchFamily="34" charset="0"/>
+              </a:rPr>
+              <a:t>. </a:t>
+            </a:r>
+            <a:endParaRPr lang="en-US" sz="2400" dirty="0" smtClean="0">
+              <a:latin typeface="Arial" panose="020B0604020202020204" pitchFamily="34" charset="0"/>
+              <a:cs typeface="Arial" panose="020B0604020202020204" pitchFamily="34" charset="0"/>
+            </a:endParaRPr>
+          </a:p>
+          <a:p>
+            <a:pPr marL="342900" indent="-342900" algn="just">
+              <a:buFont typeface="Arial" panose="020B0604020202020204" pitchFamily="34" charset="0"/>
+              <a:buChar char="•"/>
+            </a:pPr>
+            <a:endParaRPr lang="en-US" sz="2400" dirty="0">
+              <a:latin typeface="Arial" panose="020B0604020202020204" pitchFamily="34" charset="0"/>
+              <a:cs typeface="Arial" panose="020B0604020202020204" pitchFamily="34" charset="0"/>
+            </a:endParaRPr>
+          </a:p>
+          <a:p>
+            <a:pPr marL="342900" indent="-342900" algn="just">
+              <a:buFont typeface="Arial" panose="020B0604020202020204" pitchFamily="34" charset="0"/>
+              <a:buChar char="•"/>
+            </a:pPr>
+            <a:r>
+              <a:rPr lang="en-US" sz="2400" dirty="0" err="1" smtClean="0">
+                <a:latin typeface="Arial" panose="020B0604020202020204" pitchFamily="34" charset="0"/>
+                <a:cs typeface="Arial" panose="020B0604020202020204" pitchFamily="34" charset="0"/>
+              </a:rPr>
+              <a:t>Hubungan</a:t>
+            </a:r>
+            <a:r>
+              <a:rPr lang="en-US" sz="2400" dirty="0" smtClean="0">
+                <a:latin typeface="Arial" panose="020B0604020202020204" pitchFamily="34" charset="0"/>
+                <a:cs typeface="Arial" panose="020B0604020202020204" pitchFamily="34" charset="0"/>
+              </a:rPr>
+              <a:t> </a:t>
+            </a:r>
+            <a:r>
+              <a:rPr lang="en-US" sz="2400" dirty="0" err="1">
+                <a:latin typeface="Arial" panose="020B0604020202020204" pitchFamily="34" charset="0"/>
+                <a:cs typeface="Arial" panose="020B0604020202020204" pitchFamily="34" charset="0"/>
+              </a:rPr>
+              <a:t>variabel</a:t>
+            </a:r>
+            <a:r>
+              <a:rPr lang="en-US" sz="2400" dirty="0">
+                <a:latin typeface="Arial" panose="020B0604020202020204" pitchFamily="34" charset="0"/>
+                <a:cs typeface="Arial" panose="020B0604020202020204" pitchFamily="34" charset="0"/>
+              </a:rPr>
+              <a:t> </a:t>
+            </a:r>
+            <a:r>
+              <a:rPr lang="en-US" sz="2400" dirty="0" err="1">
+                <a:latin typeface="Arial" panose="020B0604020202020204" pitchFamily="34" charset="0"/>
+                <a:cs typeface="Arial" panose="020B0604020202020204" pitchFamily="34" charset="0"/>
+              </a:rPr>
+              <a:t>tersebut</a:t>
+            </a:r>
+            <a:r>
+              <a:rPr lang="en-US" sz="2400" dirty="0">
+                <a:latin typeface="Arial" panose="020B0604020202020204" pitchFamily="34" charset="0"/>
+                <a:cs typeface="Arial" panose="020B0604020202020204" pitchFamily="34" charset="0"/>
+              </a:rPr>
+              <a:t> </a:t>
+            </a:r>
+            <a:r>
+              <a:rPr lang="en-US" sz="2400" dirty="0" err="1">
+                <a:latin typeface="Arial" panose="020B0604020202020204" pitchFamily="34" charset="0"/>
+                <a:cs typeface="Arial" panose="020B0604020202020204" pitchFamily="34" charset="0"/>
+              </a:rPr>
+              <a:t>bersifat</a:t>
+            </a:r>
+            <a:r>
+              <a:rPr lang="en-US" sz="2400" dirty="0">
+                <a:latin typeface="Arial" panose="020B0604020202020204" pitchFamily="34" charset="0"/>
+                <a:cs typeface="Arial" panose="020B0604020202020204" pitchFamily="34" charset="0"/>
+              </a:rPr>
+              <a:t> </a:t>
+            </a:r>
+            <a:r>
+              <a:rPr lang="en-US" sz="2400" dirty="0" err="1">
+                <a:latin typeface="Arial" panose="020B0604020202020204" pitchFamily="34" charset="0"/>
+                <a:cs typeface="Arial" panose="020B0604020202020204" pitchFamily="34" charset="0"/>
+              </a:rPr>
+              <a:t>fungsional</a:t>
+            </a:r>
+            <a:r>
+              <a:rPr lang="en-US" sz="2400" dirty="0">
+                <a:latin typeface="Arial" panose="020B0604020202020204" pitchFamily="34" charset="0"/>
+                <a:cs typeface="Arial" panose="020B0604020202020204" pitchFamily="34" charset="0"/>
+              </a:rPr>
+              <a:t> yang </a:t>
+            </a:r>
+            <a:r>
+              <a:rPr lang="en-US" sz="2400" dirty="0" err="1">
+                <a:latin typeface="Arial" panose="020B0604020202020204" pitchFamily="34" charset="0"/>
+                <a:cs typeface="Arial" panose="020B0604020202020204" pitchFamily="34" charset="0"/>
+              </a:rPr>
+              <a:t>diwujudkan</a:t>
+            </a:r>
+            <a:r>
+              <a:rPr lang="en-US" sz="2400" dirty="0">
+                <a:latin typeface="Arial" panose="020B0604020202020204" pitchFamily="34" charset="0"/>
+                <a:cs typeface="Arial" panose="020B0604020202020204" pitchFamily="34" charset="0"/>
+              </a:rPr>
+              <a:t> </a:t>
+            </a:r>
+            <a:r>
+              <a:rPr lang="en-US" sz="2400" dirty="0" err="1">
+                <a:latin typeface="Arial" panose="020B0604020202020204" pitchFamily="34" charset="0"/>
+                <a:cs typeface="Arial" panose="020B0604020202020204" pitchFamily="34" charset="0"/>
+              </a:rPr>
               <a:t>dalam</a:t>
             </a:r>
             <a:r>
-              <a:rPr lang="en-US" dirty="0"/>
-              <a:t> </a:t>
-            </a:r>
-            <a:r>
-              <a:rPr lang="en-US" dirty="0" err="1"/>
-              <a:t>bentuk</a:t>
-            </a:r>
-            <a:r>
-              <a:rPr lang="en-US" dirty="0"/>
-              <a:t> digital </a:t>
-            </a:r>
-            <a:r>
-              <a:rPr lang="en-US" dirty="0" err="1"/>
-              <a:t>dikumpulkan</a:t>
-            </a:r>
-            <a:r>
-              <a:rPr lang="en-US" dirty="0"/>
-              <a:t> </a:t>
-            </a:r>
-            <a:r>
-              <a:rPr lang="en-US" dirty="0" err="1"/>
-              <a:t>untuk</a:t>
-            </a:r>
-            <a:r>
-              <a:rPr lang="en-US" dirty="0"/>
-              <a:t> </a:t>
-            </a:r>
-            <a:r>
-              <a:rPr lang="en-US" dirty="0" err="1"/>
-              <a:t>dipelajari</a:t>
-            </a:r>
-            <a:r>
-              <a:rPr lang="en-US" dirty="0"/>
-              <a:t> </a:t>
-            </a:r>
-            <a:r>
-              <a:rPr lang="en-US" dirty="0" err="1"/>
-              <a:t>dan</a:t>
-            </a:r>
-            <a:r>
-              <a:rPr lang="en-US" dirty="0"/>
-              <a:t> </a:t>
-            </a:r>
-            <a:r>
-              <a:rPr lang="en-US" dirty="0" err="1"/>
-              <a:t>ditindaklanjuti</a:t>
-            </a:r>
-            <a:r>
-              <a:rPr lang="en-US" dirty="0"/>
-              <a:t> </a:t>
-            </a:r>
-            <a:r>
-              <a:rPr lang="en-US" dirty="0" err="1"/>
-              <a:t>demi</a:t>
-            </a:r>
-            <a:r>
-              <a:rPr lang="en-US" dirty="0"/>
-              <a:t> </a:t>
-            </a:r>
-            <a:r>
-              <a:rPr lang="en-US" dirty="0" err="1"/>
-              <a:t>meningkatkan</a:t>
-            </a:r>
-            <a:r>
-              <a:rPr lang="en-US" dirty="0"/>
-              <a:t> </a:t>
-            </a:r>
-            <a:r>
-              <a:rPr lang="en-US" dirty="0" err="1"/>
-              <a:t>teknik</a:t>
-            </a:r>
-            <a:r>
-              <a:rPr lang="en-US" dirty="0"/>
-              <a:t> </a:t>
-            </a:r>
-            <a:r>
-              <a:rPr lang="en-US" dirty="0" err="1"/>
-              <a:t>permainan</a:t>
-            </a:r>
-            <a:r>
-              <a:rPr lang="en-US" dirty="0"/>
-              <a:t> </a:t>
-            </a:r>
-            <a:r>
-              <a:rPr lang="en-US" dirty="0" err="1"/>
-              <a:t>olahraga</a:t>
-            </a:r>
-            <a:r>
-              <a:rPr lang="en-US" dirty="0" smtClean="0"/>
-              <a:t>.</a:t>
-            </a:r>
-          </a:p>
-          <a:p>
-            <a:endParaRPr lang="en-US" dirty="0"/>
-          </a:p>
-          <a:p>
-            <a:r>
-              <a:rPr lang="en-US" dirty="0" err="1"/>
-              <a:t>Keunggulan</a:t>
-            </a:r>
-            <a:r>
-              <a:rPr lang="en-US" dirty="0"/>
-              <a:t> </a:t>
-            </a:r>
-            <a:r>
-              <a:rPr lang="en-US" dirty="0" err="1"/>
-              <a:t>Zepp</a:t>
-            </a:r>
-            <a:r>
-              <a:rPr lang="en-US" dirty="0"/>
-              <a:t> </a:t>
-            </a:r>
-            <a:r>
-              <a:rPr lang="en-US" dirty="0" err="1"/>
-              <a:t>terletak</a:t>
-            </a:r>
-            <a:r>
-              <a:rPr lang="en-US" dirty="0"/>
-              <a:t> </a:t>
-            </a:r>
-            <a:r>
-              <a:rPr lang="en-US" dirty="0" err="1"/>
-              <a:t>di</a:t>
-            </a:r>
-            <a:r>
-              <a:rPr lang="en-US" dirty="0"/>
-              <a:t> </a:t>
-            </a:r>
-            <a:r>
-              <a:rPr lang="en-US" dirty="0" err="1"/>
-              <a:t>sisi</a:t>
-            </a:r>
-            <a:r>
-              <a:rPr lang="en-US" dirty="0"/>
-              <a:t> </a:t>
-            </a:r>
-            <a:r>
-              <a:rPr lang="en-US" dirty="0" err="1"/>
-              <a:t>perangkat</a:t>
-            </a:r>
-            <a:r>
-              <a:rPr lang="en-US" dirty="0"/>
-              <a:t> </a:t>
-            </a:r>
-            <a:r>
-              <a:rPr lang="en-US" dirty="0" err="1"/>
-              <a:t>lunak</a:t>
-            </a:r>
-            <a:r>
-              <a:rPr lang="en-US" dirty="0"/>
-              <a:t> yang </a:t>
-            </a:r>
-            <a:r>
-              <a:rPr lang="en-US" dirty="0" err="1"/>
-              <a:t>terhubung</a:t>
-            </a:r>
-            <a:r>
-              <a:rPr lang="en-US" dirty="0"/>
-              <a:t> </a:t>
-            </a:r>
-            <a:r>
-              <a:rPr lang="en-US" dirty="0" err="1"/>
-              <a:t>dengan</a:t>
-            </a:r>
-            <a:r>
-              <a:rPr lang="en-US" dirty="0"/>
-              <a:t> </a:t>
-            </a:r>
-            <a:r>
-              <a:rPr lang="en-US" dirty="0" err="1"/>
-              <a:t>peralatan</a:t>
-            </a:r>
-            <a:r>
-              <a:rPr lang="en-US" dirty="0"/>
-              <a:t> </a:t>
-            </a:r>
-            <a:r>
-              <a:rPr lang="en-US" dirty="0" err="1"/>
-              <a:t>olahraga</a:t>
-            </a:r>
-            <a:r>
-              <a:rPr lang="en-US" dirty="0"/>
-              <a:t> </a:t>
-            </a:r>
-            <a:r>
-              <a:rPr lang="en-US" dirty="0" err="1"/>
-              <a:t>dan</a:t>
-            </a:r>
-            <a:r>
-              <a:rPr lang="en-US" dirty="0"/>
-              <a:t> </a:t>
-            </a:r>
-            <a:r>
-              <a:rPr lang="en-US" dirty="0" err="1"/>
-              <a:t>berbagi</a:t>
-            </a:r>
-            <a:r>
-              <a:rPr lang="en-US" dirty="0"/>
-              <a:t> data </a:t>
-            </a:r>
-            <a:r>
-              <a:rPr lang="en-US" dirty="0" err="1"/>
-              <a:t>melalui</a:t>
-            </a:r>
-            <a:r>
-              <a:rPr lang="en-US" dirty="0"/>
-              <a:t> </a:t>
-            </a:r>
-            <a:r>
-              <a:rPr lang="en-US" dirty="0" err="1"/>
-              <a:t>aplikasi</a:t>
-            </a:r>
-            <a:r>
-              <a:rPr lang="en-US" dirty="0"/>
-              <a:t> yang </a:t>
-            </a:r>
-            <a:r>
-              <a:rPr lang="en-US" dirty="0" err="1"/>
-              <a:t>dapat</a:t>
-            </a:r>
-            <a:r>
-              <a:rPr lang="en-US" dirty="0"/>
-              <a:t> </a:t>
-            </a:r>
-            <a:r>
-              <a:rPr lang="en-US" dirty="0" err="1"/>
-              <a:t>diakses</a:t>
-            </a:r>
-            <a:r>
-              <a:rPr lang="en-US" dirty="0"/>
-              <a:t> </a:t>
-            </a:r>
-            <a:r>
-              <a:rPr lang="en-US" dirty="0" err="1"/>
-              <a:t>melalui</a:t>
-            </a:r>
-            <a:r>
-              <a:rPr lang="en-US" dirty="0"/>
-              <a:t> </a:t>
-            </a:r>
-            <a:r>
-              <a:rPr lang="en-US" dirty="0" err="1"/>
-              <a:t>ponsel</a:t>
-            </a:r>
-            <a:r>
-              <a:rPr lang="en-US" dirty="0"/>
-              <a:t> </a:t>
-            </a:r>
-            <a:r>
-              <a:rPr lang="en-US" dirty="0" err="1"/>
-              <a:t>pintar</a:t>
-            </a:r>
-            <a:r>
-              <a:rPr lang="en-US" dirty="0"/>
-              <a:t>, tablet </a:t>
-            </a:r>
-            <a:r>
-              <a:rPr lang="en-US" dirty="0" err="1"/>
-              <a:t>dan</a:t>
-            </a:r>
-            <a:r>
-              <a:rPr lang="en-US" dirty="0"/>
-              <a:t> laptop</a:t>
-            </a:r>
-            <a:r>
-              <a:rPr lang="en-US" dirty="0" smtClean="0"/>
+              <a:rPr lang="en-US" sz="2400" dirty="0">
+                <a:latin typeface="Arial" panose="020B0604020202020204" pitchFamily="34" charset="0"/>
+                <a:cs typeface="Arial" panose="020B0604020202020204" pitchFamily="34" charset="0"/>
+              </a:rPr>
+              <a:t> </a:t>
+            </a:r>
+            <a:r>
+              <a:rPr lang="en-US" sz="2400" dirty="0" err="1">
+                <a:latin typeface="Arial" panose="020B0604020202020204" pitchFamily="34" charset="0"/>
+                <a:cs typeface="Arial" panose="020B0604020202020204" pitchFamily="34" charset="0"/>
+              </a:rPr>
+              <a:t>suatu</a:t>
+            </a:r>
+            <a:r>
+              <a:rPr lang="en-US" sz="2400" dirty="0">
+                <a:latin typeface="Arial" panose="020B0604020202020204" pitchFamily="34" charset="0"/>
+                <a:cs typeface="Arial" panose="020B0604020202020204" pitchFamily="34" charset="0"/>
+              </a:rPr>
+              <a:t> model </a:t>
+            </a:r>
+            <a:r>
+              <a:rPr lang="en-US" sz="2400" dirty="0" err="1">
+                <a:latin typeface="Arial" panose="020B0604020202020204" pitchFamily="34" charset="0"/>
+                <a:cs typeface="Arial" panose="020B0604020202020204" pitchFamily="34" charset="0"/>
+              </a:rPr>
+              <a:t>matematis</a:t>
+            </a:r>
+            <a:r>
+              <a:rPr lang="en-US" sz="2400" dirty="0">
+                <a:latin typeface="Arial" panose="020B0604020202020204" pitchFamily="34" charset="0"/>
+                <a:cs typeface="Arial" panose="020B0604020202020204" pitchFamily="34" charset="0"/>
+              </a:rPr>
               <a:t>. </a:t>
             </a:r>
-          </a:p>
-          <a:p>
-            <a:endParaRPr lang="en-US" dirty="0" smtClean="0"/>
-          </a:p>
-          <a:p>
-            <a:r>
-              <a:rPr lang="en-US" dirty="0" err="1" smtClean="0"/>
-              <a:t>Salah</a:t>
-            </a:r>
-            <a:r>
-              <a:rPr lang="en-US" dirty="0" smtClean="0"/>
-              <a:t> </a:t>
-            </a:r>
-            <a:r>
-              <a:rPr lang="en-US" dirty="0" err="1" smtClean="0"/>
-              <a:t>satu</a:t>
-            </a:r>
-            <a:r>
-              <a:rPr lang="en-US" dirty="0" smtClean="0"/>
-              <a:t> </a:t>
-            </a:r>
-            <a:r>
-              <a:rPr lang="en-US" dirty="0" err="1" smtClean="0"/>
-              <a:t>contoh</a:t>
-            </a:r>
-            <a:r>
-              <a:rPr lang="en-US" dirty="0" smtClean="0"/>
-              <a:t> </a:t>
-            </a:r>
-            <a:r>
-              <a:rPr lang="en-US" dirty="0" err="1" smtClean="0"/>
-              <a:t>sensornya</a:t>
-            </a:r>
-            <a:r>
-              <a:rPr lang="en-US" dirty="0" smtClean="0"/>
-              <a:t> </a:t>
-            </a:r>
-            <a:r>
-              <a:rPr lang="en-US" dirty="0" err="1" smtClean="0"/>
-              <a:t>adalah</a:t>
-            </a:r>
-            <a:r>
-              <a:rPr lang="en-US" dirty="0" smtClean="0"/>
-              <a:t> Sensor </a:t>
-            </a:r>
-            <a:r>
-              <a:rPr lang="en-US" dirty="0" err="1" smtClean="0"/>
-              <a:t>Zepp</a:t>
-            </a:r>
-            <a:r>
-              <a:rPr lang="en-US" dirty="0" smtClean="0"/>
-              <a:t> Golf</a:t>
-            </a:r>
-            <a:endParaRPr lang="en-US" dirty="0"/>
+            <a:endParaRPr lang="en-US" sz="2400" dirty="0" smtClean="0">
+              <a:latin typeface="Arial" panose="020B0604020202020204" pitchFamily="34" charset="0"/>
+              <a:cs typeface="Arial" panose="020B0604020202020204" pitchFamily="34" charset="0"/>
+            </a:endParaRPr>
+          </a:p>
+          <a:p>
+            <a:pPr marL="285750" indent="-285750" algn="just">
+              <a:buFont typeface="Arial" panose="020B0604020202020204" pitchFamily="34" charset="0"/>
+              <a:buChar char="•"/>
+            </a:pPr>
+            <a:endParaRPr lang="en-US" dirty="0">
+              <a:latin typeface="Arial" panose="020B0604020202020204" pitchFamily="34" charset="0"/>
+              <a:cs typeface="Arial" panose="020B0604020202020204" pitchFamily="34" charset="0"/>
+            </a:endParaRPr>
           </a:p>
         </p:txBody>
       </p:sp>
     </p:spTree>
+    <p:extLst>
+      <p:ext uri="{BB962C8B-B14F-4D97-AF65-F5344CB8AC3E}">
+        <p14:creationId xmlns:p14="http://schemas.microsoft.com/office/powerpoint/2010/main" val="4011306985"/>
+      </p:ext>
+    </p:extLst>
   </p:cSld>
   <p:clrMapOvr>
     <a:masterClrMapping/>
@@ -4566,6 +4663,2490 @@
       </p:grpSpPr>
       <p:sp>
         <p:nvSpPr>
+          <p:cNvPr id="3" name="Content Placeholder 2"/>
+          <p:cNvSpPr>
+            <a:spLocks noGrp="1"/>
+          </p:cNvSpPr>
+          <p:nvPr>
+            <p:ph idx="1"/>
+          </p:nvPr>
+        </p:nvSpPr>
+        <p:spPr>
+          <a:xfrm>
+            <a:off x="533400" y="1066800"/>
+            <a:ext cx="8183880" cy="4187952"/>
+          </a:xfrm>
+        </p:spPr>
+        <p:txBody>
+          <a:bodyPr>
+            <a:normAutofit/>
+          </a:bodyPr>
+          <a:lstStyle/>
+          <a:p>
+            <a:pPr algn="just"/>
+            <a:r>
+              <a:rPr lang="en-US" sz="2000" dirty="0" err="1">
+                <a:latin typeface="Arial" panose="020B0604020202020204" pitchFamily="34" charset="0"/>
+                <a:cs typeface="Arial" panose="020B0604020202020204" pitchFamily="34" charset="0"/>
+              </a:rPr>
+              <a:t>Pada</a:t>
+            </a:r>
+            <a:r>
+              <a:rPr lang="en-US" sz="2000" dirty="0">
+                <a:latin typeface="Arial" panose="020B0604020202020204" pitchFamily="34" charset="0"/>
+                <a:cs typeface="Arial" panose="020B0604020202020204" pitchFamily="34" charset="0"/>
+              </a:rPr>
+              <a:t> </a:t>
+            </a:r>
+            <a:r>
+              <a:rPr lang="en-US" sz="2000" dirty="0" err="1">
+                <a:latin typeface="Arial" panose="020B0604020202020204" pitchFamily="34" charset="0"/>
+                <a:cs typeface="Arial" panose="020B0604020202020204" pitchFamily="34" charset="0"/>
+              </a:rPr>
+              <a:t>analisis</a:t>
+            </a:r>
+            <a:r>
+              <a:rPr lang="en-US" sz="2000" dirty="0">
+                <a:latin typeface="Arial" panose="020B0604020202020204" pitchFamily="34" charset="0"/>
+                <a:cs typeface="Arial" panose="020B0604020202020204" pitchFamily="34" charset="0"/>
+              </a:rPr>
+              <a:t> </a:t>
+            </a:r>
+            <a:r>
+              <a:rPr lang="en-US" sz="2000" dirty="0" err="1">
+                <a:latin typeface="Arial" panose="020B0604020202020204" pitchFamily="34" charset="0"/>
+                <a:cs typeface="Arial" panose="020B0604020202020204" pitchFamily="34" charset="0"/>
+              </a:rPr>
+              <a:t>regresi</a:t>
+            </a:r>
+            <a:r>
+              <a:rPr lang="en-US" sz="2000" dirty="0">
+                <a:latin typeface="Arial" panose="020B0604020202020204" pitchFamily="34" charset="0"/>
+                <a:cs typeface="Arial" panose="020B0604020202020204" pitchFamily="34" charset="0"/>
+              </a:rPr>
+              <a:t>, </a:t>
+            </a:r>
+            <a:r>
+              <a:rPr lang="en-US" sz="2000" dirty="0" err="1">
+                <a:latin typeface="Arial" panose="020B0604020202020204" pitchFamily="34" charset="0"/>
+                <a:cs typeface="Arial" panose="020B0604020202020204" pitchFamily="34" charset="0"/>
+                <a:hlinkClick r:id="rId2"/>
+              </a:rPr>
+              <a:t>variabel</a:t>
+            </a:r>
+            <a:r>
+              <a:rPr lang="en-US" sz="2000" dirty="0">
+                <a:latin typeface="Arial" panose="020B0604020202020204" pitchFamily="34" charset="0"/>
+                <a:cs typeface="Arial" panose="020B0604020202020204" pitchFamily="34" charset="0"/>
+              </a:rPr>
+              <a:t> </a:t>
+            </a:r>
+            <a:r>
+              <a:rPr lang="en-US" sz="2000" dirty="0" err="1">
+                <a:latin typeface="Arial" panose="020B0604020202020204" pitchFamily="34" charset="0"/>
+                <a:cs typeface="Arial" panose="020B0604020202020204" pitchFamily="34" charset="0"/>
+              </a:rPr>
+              <a:t>dibedakan</a:t>
+            </a:r>
+            <a:r>
+              <a:rPr lang="en-US" sz="2000" dirty="0">
+                <a:latin typeface="Arial" panose="020B0604020202020204" pitchFamily="34" charset="0"/>
+                <a:cs typeface="Arial" panose="020B0604020202020204" pitchFamily="34" charset="0"/>
+              </a:rPr>
+              <a:t> </a:t>
+            </a:r>
+            <a:r>
+              <a:rPr lang="en-US" sz="2000" dirty="0" err="1">
+                <a:latin typeface="Arial" panose="020B0604020202020204" pitchFamily="34" charset="0"/>
+                <a:cs typeface="Arial" panose="020B0604020202020204" pitchFamily="34" charset="0"/>
+              </a:rPr>
+              <a:t>menjadi</a:t>
+            </a:r>
+            <a:r>
+              <a:rPr lang="en-US" sz="2000" dirty="0">
+                <a:latin typeface="Arial" panose="020B0604020202020204" pitchFamily="34" charset="0"/>
+                <a:cs typeface="Arial" panose="020B0604020202020204" pitchFamily="34" charset="0"/>
+              </a:rPr>
+              <a:t> </a:t>
+            </a:r>
+            <a:r>
+              <a:rPr lang="en-US" sz="2000" dirty="0" err="1" smtClean="0">
+                <a:latin typeface="Arial" panose="020B0604020202020204" pitchFamily="34" charset="0"/>
+                <a:cs typeface="Arial" panose="020B0604020202020204" pitchFamily="34" charset="0"/>
+              </a:rPr>
+              <a:t>dua</a:t>
+            </a:r>
+            <a:r>
+              <a:rPr lang="en-US" sz="2000" dirty="0" smtClean="0">
+                <a:latin typeface="Arial" panose="020B0604020202020204" pitchFamily="34" charset="0"/>
+                <a:cs typeface="Arial" panose="020B0604020202020204" pitchFamily="34" charset="0"/>
+              </a:rPr>
+              <a:t> </a:t>
+            </a:r>
+            <a:r>
+              <a:rPr lang="en-US" sz="2000" dirty="0" err="1" smtClean="0">
+                <a:latin typeface="Arial" panose="020B0604020202020204" pitchFamily="34" charset="0"/>
+                <a:cs typeface="Arial" panose="020B0604020202020204" pitchFamily="34" charset="0"/>
+              </a:rPr>
+              <a:t>bagian</a:t>
+            </a:r>
+            <a:r>
+              <a:rPr lang="en-US" sz="2000" dirty="0">
+                <a:latin typeface="Arial" panose="020B0604020202020204" pitchFamily="34" charset="0"/>
+                <a:cs typeface="Arial" panose="020B0604020202020204" pitchFamily="34" charset="0"/>
+              </a:rPr>
+              <a:t>, </a:t>
+            </a:r>
+            <a:r>
+              <a:rPr lang="en-US" sz="2000" dirty="0" err="1">
+                <a:latin typeface="Arial" panose="020B0604020202020204" pitchFamily="34" charset="0"/>
+                <a:cs typeface="Arial" panose="020B0604020202020204" pitchFamily="34" charset="0"/>
+              </a:rPr>
+              <a:t>yaitu</a:t>
+            </a:r>
+            <a:r>
+              <a:rPr lang="en-US" sz="2000" dirty="0">
+                <a:latin typeface="Arial" panose="020B0604020202020204" pitchFamily="34" charset="0"/>
+                <a:cs typeface="Arial" panose="020B0604020202020204" pitchFamily="34" charset="0"/>
+              </a:rPr>
+              <a:t> </a:t>
+            </a:r>
+            <a:r>
+              <a:rPr lang="en-US" sz="2000" dirty="0" smtClean="0">
+                <a:latin typeface="Arial" panose="020B0604020202020204" pitchFamily="34" charset="0"/>
+                <a:cs typeface="Arial" panose="020B0604020202020204" pitchFamily="34" charset="0"/>
+              </a:rPr>
+              <a:t>variable</a:t>
+            </a:r>
+            <a:r>
+              <a:rPr lang="en-US" sz="2000" dirty="0">
+                <a:latin typeface="Arial" panose="020B0604020202020204" pitchFamily="34" charset="0"/>
+                <a:cs typeface="Arial" panose="020B0604020202020204" pitchFamily="34" charset="0"/>
+              </a:rPr>
+              <a:t> </a:t>
+            </a:r>
+            <a:r>
+              <a:rPr lang="en-US" sz="2000" dirty="0" err="1" smtClean="0">
+                <a:latin typeface="Arial" panose="020B0604020202020204" pitchFamily="34" charset="0"/>
+                <a:cs typeface="Arial" panose="020B0604020202020204" pitchFamily="34" charset="0"/>
+              </a:rPr>
+              <a:t>respons</a:t>
+            </a:r>
+            <a:r>
+              <a:rPr lang="en-US" sz="2000" dirty="0">
+                <a:latin typeface="Arial" panose="020B0604020202020204" pitchFamily="34" charset="0"/>
+                <a:cs typeface="Arial" panose="020B0604020202020204" pitchFamily="34" charset="0"/>
+              </a:rPr>
+              <a:t> (response variable) </a:t>
+            </a:r>
+            <a:r>
+              <a:rPr lang="en-US" sz="2000" dirty="0" err="1">
+                <a:latin typeface="Arial" panose="020B0604020202020204" pitchFamily="34" charset="0"/>
+                <a:cs typeface="Arial" panose="020B0604020202020204" pitchFamily="34" charset="0"/>
+              </a:rPr>
+              <a:t>atau</a:t>
+            </a:r>
+            <a:r>
+              <a:rPr lang="en-US" sz="2000" dirty="0">
+                <a:latin typeface="Arial" panose="020B0604020202020204" pitchFamily="34" charset="0"/>
+                <a:cs typeface="Arial" panose="020B0604020202020204" pitchFamily="34" charset="0"/>
+              </a:rPr>
+              <a:t> </a:t>
+            </a:r>
+            <a:r>
+              <a:rPr lang="en-US" sz="2000" dirty="0" err="1">
+                <a:latin typeface="Arial" panose="020B0604020202020204" pitchFamily="34" charset="0"/>
+                <a:cs typeface="Arial" panose="020B0604020202020204" pitchFamily="34" charset="0"/>
+              </a:rPr>
+              <a:t>biasa</a:t>
+            </a:r>
+            <a:r>
+              <a:rPr lang="en-US" sz="2000" dirty="0">
+                <a:latin typeface="Arial" panose="020B0604020202020204" pitchFamily="34" charset="0"/>
+                <a:cs typeface="Arial" panose="020B0604020202020204" pitchFamily="34" charset="0"/>
+              </a:rPr>
+              <a:t> </a:t>
+            </a:r>
+            <a:r>
+              <a:rPr lang="en-US" sz="2000" dirty="0" err="1">
+                <a:latin typeface="Arial" panose="020B0604020202020204" pitchFamily="34" charset="0"/>
+                <a:cs typeface="Arial" panose="020B0604020202020204" pitchFamily="34" charset="0"/>
+              </a:rPr>
+              <a:t>juga</a:t>
+            </a:r>
+            <a:r>
+              <a:rPr lang="en-US" sz="2000" dirty="0">
+                <a:latin typeface="Arial" panose="020B0604020202020204" pitchFamily="34" charset="0"/>
+                <a:cs typeface="Arial" panose="020B0604020202020204" pitchFamily="34" charset="0"/>
+              </a:rPr>
+              <a:t> </a:t>
+            </a:r>
+            <a:r>
+              <a:rPr lang="en-US" sz="2000" dirty="0" err="1">
+                <a:latin typeface="Arial" panose="020B0604020202020204" pitchFamily="34" charset="0"/>
+                <a:cs typeface="Arial" panose="020B0604020202020204" pitchFamily="34" charset="0"/>
+              </a:rPr>
+              <a:t>disebut</a:t>
+            </a:r>
+            <a:r>
+              <a:rPr lang="en-US" sz="2000" dirty="0">
+                <a:latin typeface="Arial" panose="020B0604020202020204" pitchFamily="34" charset="0"/>
+                <a:cs typeface="Arial" panose="020B0604020202020204" pitchFamily="34" charset="0"/>
+              </a:rPr>
+              <a:t> </a:t>
+            </a:r>
+            <a:r>
+              <a:rPr lang="en-US" sz="2000" dirty="0" err="1">
+                <a:latin typeface="Arial" panose="020B0604020202020204" pitchFamily="34" charset="0"/>
+                <a:cs typeface="Arial" panose="020B0604020202020204" pitchFamily="34" charset="0"/>
+              </a:rPr>
+              <a:t>variabel</a:t>
+            </a:r>
+            <a:r>
+              <a:rPr lang="en-US" sz="2000" dirty="0">
+                <a:latin typeface="Arial" panose="020B0604020202020204" pitchFamily="34" charset="0"/>
+                <a:cs typeface="Arial" panose="020B0604020202020204" pitchFamily="34" charset="0"/>
+              </a:rPr>
+              <a:t> </a:t>
+            </a:r>
+            <a:r>
+              <a:rPr lang="en-US" sz="2000" dirty="0" err="1">
+                <a:latin typeface="Arial" panose="020B0604020202020204" pitchFamily="34" charset="0"/>
+                <a:cs typeface="Arial" panose="020B0604020202020204" pitchFamily="34" charset="0"/>
+              </a:rPr>
+              <a:t>bergantung</a:t>
+            </a:r>
+            <a:r>
+              <a:rPr lang="en-US" sz="2000" dirty="0">
+                <a:latin typeface="Arial" panose="020B0604020202020204" pitchFamily="34" charset="0"/>
+                <a:cs typeface="Arial" panose="020B0604020202020204" pitchFamily="34" charset="0"/>
+              </a:rPr>
+              <a:t> (dependent variable) </a:t>
+            </a:r>
+            <a:r>
+              <a:rPr lang="en-US" sz="2000" dirty="0" err="1">
+                <a:latin typeface="Arial" panose="020B0604020202020204" pitchFamily="34" charset="0"/>
+                <a:cs typeface="Arial" panose="020B0604020202020204" pitchFamily="34" charset="0"/>
+              </a:rPr>
+              <a:t>dan</a:t>
+            </a:r>
+            <a:r>
+              <a:rPr lang="en-US" sz="2000" dirty="0">
+                <a:latin typeface="Arial" panose="020B0604020202020204" pitchFamily="34" charset="0"/>
+                <a:cs typeface="Arial" panose="020B0604020202020204" pitchFamily="34" charset="0"/>
+              </a:rPr>
+              <a:t> </a:t>
+            </a:r>
+            <a:r>
+              <a:rPr lang="en-US" sz="2000" dirty="0" err="1">
+                <a:latin typeface="Arial" panose="020B0604020202020204" pitchFamily="34" charset="0"/>
+                <a:cs typeface="Arial" panose="020B0604020202020204" pitchFamily="34" charset="0"/>
+              </a:rPr>
+              <a:t>variabel</a:t>
+            </a:r>
+            <a:r>
+              <a:rPr lang="en-US" sz="2000" dirty="0">
+                <a:latin typeface="Arial" panose="020B0604020202020204" pitchFamily="34" charset="0"/>
+                <a:cs typeface="Arial" panose="020B0604020202020204" pitchFamily="34" charset="0"/>
+              </a:rPr>
+              <a:t> </a:t>
+            </a:r>
+            <a:r>
+              <a:rPr lang="en-US" sz="2000" dirty="0" err="1">
+                <a:latin typeface="Arial" panose="020B0604020202020204" pitchFamily="34" charset="0"/>
+                <a:cs typeface="Arial" panose="020B0604020202020204" pitchFamily="34" charset="0"/>
+              </a:rPr>
+              <a:t>explanory</a:t>
+            </a:r>
+            <a:r>
+              <a:rPr lang="en-US" sz="2000" dirty="0">
+                <a:latin typeface="Arial" panose="020B0604020202020204" pitchFamily="34" charset="0"/>
+                <a:cs typeface="Arial" panose="020B0604020202020204" pitchFamily="34" charset="0"/>
+              </a:rPr>
+              <a:t> </a:t>
+            </a:r>
+            <a:r>
+              <a:rPr lang="en-US" sz="2000" dirty="0" err="1">
+                <a:latin typeface="Arial" panose="020B0604020202020204" pitchFamily="34" charset="0"/>
+                <a:cs typeface="Arial" panose="020B0604020202020204" pitchFamily="34" charset="0"/>
+              </a:rPr>
+              <a:t>atau</a:t>
+            </a:r>
+            <a:r>
+              <a:rPr lang="en-US" sz="2000" dirty="0">
+                <a:latin typeface="Arial" panose="020B0604020202020204" pitchFamily="34" charset="0"/>
+                <a:cs typeface="Arial" panose="020B0604020202020204" pitchFamily="34" charset="0"/>
+              </a:rPr>
+              <a:t> </a:t>
+            </a:r>
+            <a:r>
+              <a:rPr lang="en-US" sz="2000" dirty="0" err="1">
+                <a:latin typeface="Arial" panose="020B0604020202020204" pitchFamily="34" charset="0"/>
+                <a:cs typeface="Arial" panose="020B0604020202020204" pitchFamily="34" charset="0"/>
+              </a:rPr>
+              <a:t>biasa</a:t>
+            </a:r>
+            <a:r>
+              <a:rPr lang="en-US" sz="2000" dirty="0">
+                <a:latin typeface="Arial" panose="020B0604020202020204" pitchFamily="34" charset="0"/>
+                <a:cs typeface="Arial" panose="020B0604020202020204" pitchFamily="34" charset="0"/>
+              </a:rPr>
+              <a:t> </a:t>
+            </a:r>
+            <a:r>
+              <a:rPr lang="en-US" sz="2000" dirty="0" err="1">
+                <a:latin typeface="Arial" panose="020B0604020202020204" pitchFamily="34" charset="0"/>
+                <a:cs typeface="Arial" panose="020B0604020202020204" pitchFamily="34" charset="0"/>
+              </a:rPr>
+              <a:t>disebut</a:t>
+            </a:r>
+            <a:r>
+              <a:rPr lang="en-US" sz="2000" dirty="0">
+                <a:latin typeface="Arial" panose="020B0604020202020204" pitchFamily="34" charset="0"/>
+                <a:cs typeface="Arial" panose="020B0604020202020204" pitchFamily="34" charset="0"/>
+              </a:rPr>
+              <a:t> </a:t>
+            </a:r>
+            <a:r>
+              <a:rPr lang="en-US" sz="2000" dirty="0" err="1">
+                <a:latin typeface="Arial" panose="020B0604020202020204" pitchFamily="34" charset="0"/>
+                <a:cs typeface="Arial" panose="020B0604020202020204" pitchFamily="34" charset="0"/>
+              </a:rPr>
+              <a:t>penduga</a:t>
+            </a:r>
+            <a:r>
+              <a:rPr lang="en-US" sz="2000" dirty="0">
+                <a:latin typeface="Arial" panose="020B0604020202020204" pitchFamily="34" charset="0"/>
+                <a:cs typeface="Arial" panose="020B0604020202020204" pitchFamily="34" charset="0"/>
+              </a:rPr>
+              <a:t> (predictor variable) </a:t>
+            </a:r>
+            <a:r>
+              <a:rPr lang="en-US" sz="2000" dirty="0" err="1">
+                <a:latin typeface="Arial" panose="020B0604020202020204" pitchFamily="34" charset="0"/>
+                <a:cs typeface="Arial" panose="020B0604020202020204" pitchFamily="34" charset="0"/>
+              </a:rPr>
+              <a:t>atau</a:t>
+            </a:r>
+            <a:r>
+              <a:rPr lang="en-US" sz="2000" dirty="0">
+                <a:latin typeface="Arial" panose="020B0604020202020204" pitchFamily="34" charset="0"/>
+                <a:cs typeface="Arial" panose="020B0604020202020204" pitchFamily="34" charset="0"/>
+              </a:rPr>
+              <a:t> </a:t>
+            </a:r>
+            <a:r>
+              <a:rPr lang="en-US" sz="2000" dirty="0" err="1">
+                <a:latin typeface="Arial" panose="020B0604020202020204" pitchFamily="34" charset="0"/>
+                <a:cs typeface="Arial" panose="020B0604020202020204" pitchFamily="34" charset="0"/>
+              </a:rPr>
+              <a:t>disebut</a:t>
+            </a:r>
+            <a:r>
+              <a:rPr lang="en-US" sz="2000" dirty="0">
+                <a:latin typeface="Arial" panose="020B0604020202020204" pitchFamily="34" charset="0"/>
+                <a:cs typeface="Arial" panose="020B0604020202020204" pitchFamily="34" charset="0"/>
+              </a:rPr>
+              <a:t> </a:t>
+            </a:r>
+            <a:r>
+              <a:rPr lang="en-US" sz="2000" dirty="0" err="1">
+                <a:latin typeface="Arial" panose="020B0604020202020204" pitchFamily="34" charset="0"/>
+                <a:cs typeface="Arial" panose="020B0604020202020204" pitchFamily="34" charset="0"/>
+              </a:rPr>
+              <a:t>juga</a:t>
+            </a:r>
+            <a:r>
+              <a:rPr lang="en-US" sz="2000" dirty="0">
+                <a:latin typeface="Arial" panose="020B0604020202020204" pitchFamily="34" charset="0"/>
+                <a:cs typeface="Arial" panose="020B0604020202020204" pitchFamily="34" charset="0"/>
+              </a:rPr>
+              <a:t> </a:t>
+            </a:r>
+            <a:r>
+              <a:rPr lang="en-US" sz="2000" dirty="0" err="1">
+                <a:latin typeface="Arial" panose="020B0604020202020204" pitchFamily="34" charset="0"/>
+                <a:cs typeface="Arial" panose="020B0604020202020204" pitchFamily="34" charset="0"/>
+              </a:rPr>
+              <a:t>variabel</a:t>
+            </a:r>
+            <a:r>
+              <a:rPr lang="en-US" sz="2000" dirty="0">
+                <a:latin typeface="Arial" panose="020B0604020202020204" pitchFamily="34" charset="0"/>
+                <a:cs typeface="Arial" panose="020B0604020202020204" pitchFamily="34" charset="0"/>
+              </a:rPr>
+              <a:t> </a:t>
+            </a:r>
+            <a:r>
+              <a:rPr lang="en-US" sz="2000" dirty="0" err="1">
+                <a:latin typeface="Arial" panose="020B0604020202020204" pitchFamily="34" charset="0"/>
+                <a:cs typeface="Arial" panose="020B0604020202020204" pitchFamily="34" charset="0"/>
+              </a:rPr>
+              <a:t>bebas</a:t>
+            </a:r>
+            <a:r>
+              <a:rPr lang="en-US" sz="2000" dirty="0">
+                <a:latin typeface="Arial" panose="020B0604020202020204" pitchFamily="34" charset="0"/>
+                <a:cs typeface="Arial" panose="020B0604020202020204" pitchFamily="34" charset="0"/>
+              </a:rPr>
+              <a:t> (independent </a:t>
+            </a:r>
+            <a:r>
+              <a:rPr lang="en-US" sz="2000" dirty="0" err="1">
+                <a:latin typeface="Arial" panose="020B0604020202020204" pitchFamily="34" charset="0"/>
+                <a:cs typeface="Arial" panose="020B0604020202020204" pitchFamily="34" charset="0"/>
+              </a:rPr>
+              <a:t>variabel</a:t>
+            </a:r>
+            <a:r>
+              <a:rPr lang="en-US" sz="2000" dirty="0">
+                <a:latin typeface="Arial" panose="020B0604020202020204" pitchFamily="34" charset="0"/>
+                <a:cs typeface="Arial" panose="020B0604020202020204" pitchFamily="34" charset="0"/>
+              </a:rPr>
+              <a:t>). </a:t>
+            </a:r>
+          </a:p>
+          <a:p>
+            <a:pPr algn="just"/>
+            <a:endParaRPr lang="en-US" sz="2000" dirty="0">
+              <a:latin typeface="Arial" panose="020B0604020202020204" pitchFamily="34" charset="0"/>
+              <a:cs typeface="Arial" panose="020B0604020202020204" pitchFamily="34" charset="0"/>
+            </a:endParaRPr>
+          </a:p>
+          <a:p>
+            <a:pPr algn="just"/>
+            <a:r>
+              <a:rPr lang="en-US" sz="2000" dirty="0" err="1">
+                <a:latin typeface="Arial" panose="020B0604020202020204" pitchFamily="34" charset="0"/>
+                <a:cs typeface="Arial" panose="020B0604020202020204" pitchFamily="34" charset="0"/>
+              </a:rPr>
+              <a:t>Jenis-jenis</a:t>
+            </a:r>
+            <a:r>
+              <a:rPr lang="en-US" sz="2000" dirty="0">
+                <a:latin typeface="Arial" panose="020B0604020202020204" pitchFamily="34" charset="0"/>
+                <a:cs typeface="Arial" panose="020B0604020202020204" pitchFamily="34" charset="0"/>
+              </a:rPr>
+              <a:t> </a:t>
+            </a:r>
+            <a:r>
+              <a:rPr lang="en-US" sz="2000" dirty="0" err="1">
+                <a:latin typeface="Arial" panose="020B0604020202020204" pitchFamily="34" charset="0"/>
+                <a:cs typeface="Arial" panose="020B0604020202020204" pitchFamily="34" charset="0"/>
+              </a:rPr>
+              <a:t>regresi</a:t>
+            </a:r>
+            <a:r>
+              <a:rPr lang="en-US" sz="2000" dirty="0">
+                <a:latin typeface="Arial" panose="020B0604020202020204" pitchFamily="34" charset="0"/>
+                <a:cs typeface="Arial" panose="020B0604020202020204" pitchFamily="34" charset="0"/>
+              </a:rPr>
+              <a:t> </a:t>
+            </a:r>
+            <a:r>
+              <a:rPr lang="en-US" sz="2000" dirty="0" err="1">
+                <a:latin typeface="Arial" panose="020B0604020202020204" pitchFamily="34" charset="0"/>
+                <a:cs typeface="Arial" panose="020B0604020202020204" pitchFamily="34" charset="0"/>
+              </a:rPr>
+              <a:t>terbagi</a:t>
+            </a:r>
+            <a:r>
+              <a:rPr lang="en-US" sz="2000" dirty="0">
+                <a:latin typeface="Arial" panose="020B0604020202020204" pitchFamily="34" charset="0"/>
+                <a:cs typeface="Arial" panose="020B0604020202020204" pitchFamily="34" charset="0"/>
+              </a:rPr>
+              <a:t> </a:t>
+            </a:r>
+            <a:r>
+              <a:rPr lang="en-US" sz="2000" dirty="0" err="1">
+                <a:latin typeface="Arial" panose="020B0604020202020204" pitchFamily="34" charset="0"/>
+                <a:cs typeface="Arial" panose="020B0604020202020204" pitchFamily="34" charset="0"/>
+              </a:rPr>
+              <a:t>menjadi</a:t>
+            </a:r>
+            <a:r>
+              <a:rPr lang="en-US" sz="2000" dirty="0">
+                <a:latin typeface="Arial" panose="020B0604020202020204" pitchFamily="34" charset="0"/>
+                <a:cs typeface="Arial" panose="020B0604020202020204" pitchFamily="34" charset="0"/>
+              </a:rPr>
+              <a:t> </a:t>
+            </a:r>
+            <a:r>
+              <a:rPr lang="en-US" sz="2000" dirty="0" err="1">
+                <a:latin typeface="Arial" panose="020B0604020202020204" pitchFamily="34" charset="0"/>
+                <a:cs typeface="Arial" panose="020B0604020202020204" pitchFamily="34" charset="0"/>
+              </a:rPr>
+              <a:t>beberapa</a:t>
+            </a:r>
+            <a:r>
+              <a:rPr lang="en-US" sz="2000" dirty="0">
+                <a:latin typeface="Arial" panose="020B0604020202020204" pitchFamily="34" charset="0"/>
+                <a:cs typeface="Arial" panose="020B0604020202020204" pitchFamily="34" charset="0"/>
+              </a:rPr>
+              <a:t> </a:t>
+            </a:r>
+            <a:r>
+              <a:rPr lang="en-US" sz="2000" dirty="0" err="1">
+                <a:latin typeface="Arial" panose="020B0604020202020204" pitchFamily="34" charset="0"/>
+                <a:cs typeface="Arial" panose="020B0604020202020204" pitchFamily="34" charset="0"/>
+              </a:rPr>
+              <a:t>jenis</a:t>
+            </a:r>
+            <a:r>
+              <a:rPr lang="en-US" sz="2000" dirty="0">
+                <a:latin typeface="Arial" panose="020B0604020202020204" pitchFamily="34" charset="0"/>
+                <a:cs typeface="Arial" panose="020B0604020202020204" pitchFamily="34" charset="0"/>
+              </a:rPr>
+              <a:t>, </a:t>
+            </a:r>
+            <a:r>
+              <a:rPr lang="en-US" sz="2000" dirty="0" err="1">
+                <a:latin typeface="Arial" panose="020B0604020202020204" pitchFamily="34" charset="0"/>
+                <a:cs typeface="Arial" panose="020B0604020202020204" pitchFamily="34" charset="0"/>
+              </a:rPr>
+              <a:t>yaitu</a:t>
+            </a:r>
+            <a:r>
+              <a:rPr lang="en-US" sz="2000" dirty="0">
+                <a:latin typeface="Arial" panose="020B0604020202020204" pitchFamily="34" charset="0"/>
+                <a:cs typeface="Arial" panose="020B0604020202020204" pitchFamily="34" charset="0"/>
+              </a:rPr>
+              <a:t> </a:t>
+            </a:r>
+            <a:r>
+              <a:rPr lang="en-US" sz="2000" dirty="0" err="1">
+                <a:latin typeface="Arial" panose="020B0604020202020204" pitchFamily="34" charset="0"/>
+                <a:cs typeface="Arial" panose="020B0604020202020204" pitchFamily="34" charset="0"/>
+              </a:rPr>
+              <a:t>regresi</a:t>
+            </a:r>
+            <a:r>
+              <a:rPr lang="en-US" sz="2000" dirty="0">
+                <a:latin typeface="Arial" panose="020B0604020202020204" pitchFamily="34" charset="0"/>
+                <a:cs typeface="Arial" panose="020B0604020202020204" pitchFamily="34" charset="0"/>
+              </a:rPr>
+              <a:t> </a:t>
+            </a:r>
+            <a:r>
+              <a:rPr lang="en-US" sz="2000" dirty="0" err="1">
+                <a:latin typeface="Arial" panose="020B0604020202020204" pitchFamily="34" charset="0"/>
+                <a:cs typeface="Arial" panose="020B0604020202020204" pitchFamily="34" charset="0"/>
+              </a:rPr>
+              <a:t>sederhana</a:t>
+            </a:r>
+            <a:r>
+              <a:rPr lang="en-US" sz="2000" dirty="0">
+                <a:latin typeface="Arial" panose="020B0604020202020204" pitchFamily="34" charset="0"/>
+                <a:cs typeface="Arial" panose="020B0604020202020204" pitchFamily="34" charset="0"/>
+              </a:rPr>
+              <a:t> (linier </a:t>
+            </a:r>
+            <a:r>
+              <a:rPr lang="en-US" sz="2000" dirty="0" err="1">
+                <a:latin typeface="Arial" panose="020B0604020202020204" pitchFamily="34" charset="0"/>
+                <a:cs typeface="Arial" panose="020B0604020202020204" pitchFamily="34" charset="0"/>
+              </a:rPr>
+              <a:t>sederhana</a:t>
+            </a:r>
+            <a:r>
+              <a:rPr lang="en-US" sz="2000" dirty="0">
+                <a:latin typeface="Arial" panose="020B0604020202020204" pitchFamily="34" charset="0"/>
+                <a:cs typeface="Arial" panose="020B0604020202020204" pitchFamily="34" charset="0"/>
+              </a:rPr>
+              <a:t> </a:t>
+            </a:r>
+            <a:r>
+              <a:rPr lang="en-US" sz="2000" dirty="0" err="1">
+                <a:latin typeface="Arial" panose="020B0604020202020204" pitchFamily="34" charset="0"/>
+                <a:cs typeface="Arial" panose="020B0604020202020204" pitchFamily="34" charset="0"/>
+              </a:rPr>
+              <a:t>dan</a:t>
+            </a:r>
+            <a:r>
+              <a:rPr lang="en-US" sz="2000" dirty="0">
+                <a:latin typeface="Arial" panose="020B0604020202020204" pitchFamily="34" charset="0"/>
+                <a:cs typeface="Arial" panose="020B0604020202020204" pitchFamily="34" charset="0"/>
+              </a:rPr>
+              <a:t> </a:t>
+            </a:r>
+            <a:r>
+              <a:rPr lang="en-US" sz="2000" dirty="0" err="1">
+                <a:latin typeface="Arial" panose="020B0604020202020204" pitchFamily="34" charset="0"/>
+                <a:cs typeface="Arial" panose="020B0604020202020204" pitchFamily="34" charset="0"/>
+              </a:rPr>
+              <a:t>nonlinier</a:t>
+            </a:r>
+            <a:r>
+              <a:rPr lang="en-US" sz="2000" dirty="0">
+                <a:latin typeface="Arial" panose="020B0604020202020204" pitchFamily="34" charset="0"/>
+                <a:cs typeface="Arial" panose="020B0604020202020204" pitchFamily="34" charset="0"/>
+              </a:rPr>
+              <a:t> </a:t>
+            </a:r>
+            <a:r>
+              <a:rPr lang="en-US" sz="2000" dirty="0" err="1">
+                <a:latin typeface="Arial" panose="020B0604020202020204" pitchFamily="34" charset="0"/>
+                <a:cs typeface="Arial" panose="020B0604020202020204" pitchFamily="34" charset="0"/>
+              </a:rPr>
+              <a:t>sederhana</a:t>
+            </a:r>
+            <a:r>
+              <a:rPr lang="en-US" sz="2000" dirty="0">
+                <a:latin typeface="Arial" panose="020B0604020202020204" pitchFamily="34" charset="0"/>
+                <a:cs typeface="Arial" panose="020B0604020202020204" pitchFamily="34" charset="0"/>
+              </a:rPr>
+              <a:t>) </a:t>
+            </a:r>
+            <a:r>
+              <a:rPr lang="en-US" sz="2000" dirty="0" err="1">
+                <a:latin typeface="Arial" panose="020B0604020202020204" pitchFamily="34" charset="0"/>
+                <a:cs typeface="Arial" panose="020B0604020202020204" pitchFamily="34" charset="0"/>
+              </a:rPr>
+              <a:t>dan</a:t>
+            </a:r>
+            <a:r>
+              <a:rPr lang="en-US" sz="2000" dirty="0">
+                <a:latin typeface="Arial" panose="020B0604020202020204" pitchFamily="34" charset="0"/>
+                <a:cs typeface="Arial" panose="020B0604020202020204" pitchFamily="34" charset="0"/>
+              </a:rPr>
+              <a:t> </a:t>
+            </a:r>
+            <a:r>
+              <a:rPr lang="en-US" sz="2000" dirty="0" err="1">
+                <a:latin typeface="Arial" panose="020B0604020202020204" pitchFamily="34" charset="0"/>
+                <a:cs typeface="Arial" panose="020B0604020202020204" pitchFamily="34" charset="0"/>
+              </a:rPr>
+              <a:t>regresi</a:t>
+            </a:r>
+            <a:r>
+              <a:rPr lang="en-US" sz="2000" dirty="0">
+                <a:latin typeface="Arial" panose="020B0604020202020204" pitchFamily="34" charset="0"/>
+                <a:cs typeface="Arial" panose="020B0604020202020204" pitchFamily="34" charset="0"/>
+              </a:rPr>
+              <a:t> </a:t>
+            </a:r>
+            <a:r>
+              <a:rPr lang="en-US" sz="2000" dirty="0" err="1">
+                <a:latin typeface="Arial" panose="020B0604020202020204" pitchFamily="34" charset="0"/>
+                <a:cs typeface="Arial" panose="020B0604020202020204" pitchFamily="34" charset="0"/>
+              </a:rPr>
+              <a:t>berganda</a:t>
+            </a:r>
+            <a:r>
+              <a:rPr lang="en-US" sz="2000" dirty="0">
+                <a:latin typeface="Arial" panose="020B0604020202020204" pitchFamily="34" charset="0"/>
+                <a:cs typeface="Arial" panose="020B0604020202020204" pitchFamily="34" charset="0"/>
+              </a:rPr>
+              <a:t> (linier </a:t>
+            </a:r>
+            <a:r>
+              <a:rPr lang="en-US" sz="2000" dirty="0" err="1">
+                <a:latin typeface="Arial" panose="020B0604020202020204" pitchFamily="34" charset="0"/>
+                <a:cs typeface="Arial" panose="020B0604020202020204" pitchFamily="34" charset="0"/>
+              </a:rPr>
+              <a:t>berganda</a:t>
+            </a:r>
+            <a:r>
+              <a:rPr lang="en-US" sz="2000" dirty="0">
+                <a:latin typeface="Arial" panose="020B0604020202020204" pitchFamily="34" charset="0"/>
+                <a:cs typeface="Arial" panose="020B0604020202020204" pitchFamily="34" charset="0"/>
+              </a:rPr>
+              <a:t> </a:t>
+            </a:r>
+            <a:r>
+              <a:rPr lang="en-US" sz="2000" dirty="0" err="1">
+                <a:latin typeface="Arial" panose="020B0604020202020204" pitchFamily="34" charset="0"/>
+                <a:cs typeface="Arial" panose="020B0604020202020204" pitchFamily="34" charset="0"/>
+              </a:rPr>
+              <a:t>atau</a:t>
+            </a:r>
+            <a:r>
+              <a:rPr lang="en-US" sz="2000" dirty="0">
+                <a:latin typeface="Arial" panose="020B0604020202020204" pitchFamily="34" charset="0"/>
+                <a:cs typeface="Arial" panose="020B0604020202020204" pitchFamily="34" charset="0"/>
+              </a:rPr>
+              <a:t> </a:t>
+            </a:r>
+            <a:r>
+              <a:rPr lang="en-US" sz="2000" dirty="0" err="1">
+                <a:latin typeface="Arial" panose="020B0604020202020204" pitchFamily="34" charset="0"/>
+                <a:cs typeface="Arial" panose="020B0604020202020204" pitchFamily="34" charset="0"/>
+              </a:rPr>
+              <a:t>nonlinier</a:t>
+            </a:r>
+            <a:r>
+              <a:rPr lang="en-US" sz="2000" dirty="0">
+                <a:latin typeface="Arial" panose="020B0604020202020204" pitchFamily="34" charset="0"/>
+                <a:cs typeface="Arial" panose="020B0604020202020204" pitchFamily="34" charset="0"/>
+              </a:rPr>
+              <a:t> </a:t>
+            </a:r>
+            <a:r>
+              <a:rPr lang="en-US" sz="2000" dirty="0" err="1">
+                <a:latin typeface="Arial" panose="020B0604020202020204" pitchFamily="34" charset="0"/>
+                <a:cs typeface="Arial" panose="020B0604020202020204" pitchFamily="34" charset="0"/>
+              </a:rPr>
+              <a:t>berganda</a:t>
+            </a:r>
+            <a:r>
+              <a:rPr lang="en-US" sz="2000" dirty="0">
+                <a:latin typeface="Arial" panose="020B0604020202020204" pitchFamily="34" charset="0"/>
+                <a:cs typeface="Arial" panose="020B0604020202020204" pitchFamily="34" charset="0"/>
+              </a:rPr>
+              <a:t>).</a:t>
+            </a:r>
+          </a:p>
+          <a:p>
+            <a:pPr algn="just"/>
+            <a:endParaRPr lang="en-US" sz="2000" dirty="0">
+              <a:latin typeface="Arial" panose="020B0604020202020204" pitchFamily="34" charset="0"/>
+              <a:cs typeface="Arial" panose="020B0604020202020204" pitchFamily="34" charset="0"/>
+            </a:endParaRPr>
+          </a:p>
+        </p:txBody>
+      </p:sp>
+    </p:spTree>
+    <p:extLst>
+      <p:ext uri="{BB962C8B-B14F-4D97-AF65-F5344CB8AC3E}">
+        <p14:creationId xmlns:p14="http://schemas.microsoft.com/office/powerpoint/2010/main" val="2853956555"/>
+      </p:ext>
+    </p:extLst>
+  </p:cSld>
+  <p:clrMapOvr>
+    <a:masterClrMapping/>
+  </p:clrMapOvr>
+</p:sld>
+</file>
+
+<file path=ppt/slides/slide4.xml><?xml version="1.0" encoding="utf-8"?>
+<p:sld xmlns:a="http://schemas.openxmlformats.org/drawingml/2006/main" xmlns:r="http://schemas.openxmlformats.org/officeDocument/2006/relationships" xmlns:p="http://schemas.openxmlformats.org/presentationml/2006/main">
+  <p:cSld>
+    <p:spTree>
+      <p:nvGrpSpPr>
+        <p:cNvPr id="1" name=""/>
+        <p:cNvGrpSpPr/>
+        <p:nvPr/>
+      </p:nvGrpSpPr>
+      <p:grpSpPr>
+        <a:xfrm>
+          <a:off x="0" y="0"/>
+          <a:ext cx="0" cy="0"/>
+          <a:chOff x="0" y="0"/>
+          <a:chExt cx="0" cy="0"/>
+        </a:xfrm>
+      </p:grpSpPr>
+      <p:sp>
+        <p:nvSpPr>
+          <p:cNvPr id="2" name="Title 1"/>
+          <p:cNvSpPr>
+            <a:spLocks noGrp="1"/>
+          </p:cNvSpPr>
+          <p:nvPr>
+            <p:ph type="title"/>
+          </p:nvPr>
+        </p:nvSpPr>
+        <p:spPr>
+          <a:xfrm>
+            <a:off x="533400" y="4953000"/>
+            <a:ext cx="8183880" cy="1051560"/>
+          </a:xfrm>
+        </p:spPr>
+        <p:txBody>
+          <a:bodyPr>
+            <a:normAutofit fontScale="90000"/>
+          </a:bodyPr>
+          <a:lstStyle/>
+          <a:p>
+            <a:r>
+              <a:rPr lang="en-US" dirty="0" err="1">
+                <a:effectLst/>
+              </a:rPr>
+              <a:t>Persamaan</a:t>
+            </a:r>
+            <a:r>
+              <a:rPr lang="en-US" dirty="0">
+                <a:effectLst/>
+              </a:rPr>
+              <a:t> </a:t>
+            </a:r>
+            <a:r>
+              <a:rPr lang="en-US" dirty="0" err="1">
+                <a:effectLst/>
+              </a:rPr>
+              <a:t>Regresi</a:t>
+            </a:r>
+            <a:r>
+              <a:rPr lang="en-US" dirty="0">
+                <a:effectLst/>
+              </a:rPr>
+              <a:t/>
+            </a:r>
+            <a:br>
+              <a:rPr lang="en-US" dirty="0">
+                <a:effectLst/>
+              </a:rPr>
+            </a:br>
+            <a:endParaRPr lang="en-US" dirty="0"/>
+          </a:p>
+        </p:txBody>
+      </p:sp>
+      <p:sp>
+        <p:nvSpPr>
+          <p:cNvPr id="6" name="Rectangle 5"/>
+          <p:cNvSpPr/>
+          <p:nvPr/>
+        </p:nvSpPr>
+        <p:spPr>
+          <a:xfrm>
+            <a:off x="762000" y="609600"/>
+            <a:ext cx="7315200" cy="2246769"/>
+          </a:xfrm>
+          <a:prstGeom prst="rect">
+            <a:avLst/>
+          </a:prstGeom>
+        </p:spPr>
+        <p:txBody>
+          <a:bodyPr wrap="square">
+            <a:spAutoFit/>
+          </a:bodyPr>
+          <a:lstStyle/>
+          <a:p>
+            <a:pPr algn="just" fontAlgn="base"/>
+            <a:r>
+              <a:rPr lang="en-US" sz="2800" dirty="0" err="1" smtClean="0">
+                <a:solidFill>
+                  <a:srgbClr val="000000"/>
+                </a:solidFill>
+                <a:latin typeface="Arial" panose="020B0604020202020204" pitchFamily="34" charset="0"/>
+                <a:cs typeface="Arial" panose="020B0604020202020204" pitchFamily="34" charset="0"/>
+              </a:rPr>
+              <a:t>Dalam</a:t>
+            </a:r>
+            <a:r>
+              <a:rPr lang="en-US" sz="2800" dirty="0" smtClean="0">
+                <a:solidFill>
+                  <a:srgbClr val="000000"/>
+                </a:solidFill>
+                <a:latin typeface="Arial" panose="020B0604020202020204" pitchFamily="34" charset="0"/>
+                <a:cs typeface="Arial" panose="020B0604020202020204" pitchFamily="34" charset="0"/>
+              </a:rPr>
+              <a:t> </a:t>
+            </a:r>
+            <a:r>
+              <a:rPr lang="en-US" sz="2800" dirty="0" err="1">
+                <a:solidFill>
+                  <a:srgbClr val="000000"/>
+                </a:solidFill>
+                <a:latin typeface="Arial" panose="020B0604020202020204" pitchFamily="34" charset="0"/>
+                <a:cs typeface="Arial" panose="020B0604020202020204" pitchFamily="34" charset="0"/>
+              </a:rPr>
+              <a:t>bentuk</a:t>
+            </a:r>
+            <a:r>
+              <a:rPr lang="en-US" sz="2800" dirty="0">
+                <a:solidFill>
+                  <a:srgbClr val="000000"/>
+                </a:solidFill>
+                <a:latin typeface="Arial" panose="020B0604020202020204" pitchFamily="34" charset="0"/>
+                <a:cs typeface="Arial" panose="020B0604020202020204" pitchFamily="34" charset="0"/>
+              </a:rPr>
+              <a:t> yang paling </a:t>
+            </a:r>
+            <a:r>
+              <a:rPr lang="en-US" sz="2800" dirty="0" err="1">
+                <a:solidFill>
+                  <a:srgbClr val="000000"/>
+                </a:solidFill>
+                <a:latin typeface="Arial" panose="020B0604020202020204" pitchFamily="34" charset="0"/>
+                <a:cs typeface="Arial" panose="020B0604020202020204" pitchFamily="34" charset="0"/>
+              </a:rPr>
+              <a:t>sederhana</a:t>
+            </a:r>
+            <a:r>
+              <a:rPr lang="en-US" sz="2800" dirty="0">
+                <a:solidFill>
+                  <a:srgbClr val="000000"/>
+                </a:solidFill>
+                <a:latin typeface="Arial" panose="020B0604020202020204" pitchFamily="34" charset="0"/>
+                <a:cs typeface="Arial" panose="020B0604020202020204" pitchFamily="34" charset="0"/>
+              </a:rPr>
+              <a:t> </a:t>
+            </a:r>
+            <a:r>
+              <a:rPr lang="en-US" sz="2800" dirty="0" err="1">
+                <a:solidFill>
+                  <a:srgbClr val="000000"/>
+                </a:solidFill>
+                <a:latin typeface="Arial" panose="020B0604020202020204" pitchFamily="34" charset="0"/>
+                <a:cs typeface="Arial" panose="020B0604020202020204" pitchFamily="34" charset="0"/>
+              </a:rPr>
+              <a:t>yaitu</a:t>
+            </a:r>
+            <a:r>
+              <a:rPr lang="en-US" sz="2800" dirty="0">
+                <a:solidFill>
+                  <a:srgbClr val="000000"/>
+                </a:solidFill>
+                <a:latin typeface="Arial" panose="020B0604020202020204" pitchFamily="34" charset="0"/>
+                <a:cs typeface="Arial" panose="020B0604020202020204" pitchFamily="34" charset="0"/>
+              </a:rPr>
+              <a:t> </a:t>
+            </a:r>
+            <a:r>
+              <a:rPr lang="en-US" sz="2800" dirty="0" err="1">
+                <a:solidFill>
+                  <a:srgbClr val="000000"/>
+                </a:solidFill>
+                <a:latin typeface="Arial" panose="020B0604020202020204" pitchFamily="34" charset="0"/>
+                <a:cs typeface="Arial" panose="020B0604020202020204" pitchFamily="34" charset="0"/>
+              </a:rPr>
+              <a:t>satu</a:t>
+            </a:r>
+            <a:r>
+              <a:rPr lang="en-US" sz="2800" dirty="0">
+                <a:solidFill>
+                  <a:srgbClr val="000000"/>
+                </a:solidFill>
+                <a:latin typeface="Arial" panose="020B0604020202020204" pitchFamily="34" charset="0"/>
+                <a:cs typeface="Arial" panose="020B0604020202020204" pitchFamily="34" charset="0"/>
+              </a:rPr>
+              <a:t> </a:t>
+            </a:r>
+            <a:r>
+              <a:rPr lang="en-US" sz="2800" dirty="0" err="1">
+                <a:solidFill>
+                  <a:srgbClr val="000000"/>
+                </a:solidFill>
+                <a:latin typeface="Arial" panose="020B0604020202020204" pitchFamily="34" charset="0"/>
+                <a:cs typeface="Arial" panose="020B0604020202020204" pitchFamily="34" charset="0"/>
+              </a:rPr>
+              <a:t>peubah</a:t>
+            </a:r>
+            <a:r>
+              <a:rPr lang="en-US" sz="2800" dirty="0">
+                <a:solidFill>
+                  <a:srgbClr val="000000"/>
+                </a:solidFill>
+                <a:latin typeface="Arial" panose="020B0604020202020204" pitchFamily="34" charset="0"/>
+                <a:cs typeface="Arial" panose="020B0604020202020204" pitchFamily="34" charset="0"/>
+              </a:rPr>
+              <a:t> </a:t>
+            </a:r>
+            <a:r>
+              <a:rPr lang="en-US" sz="2800" dirty="0" err="1">
+                <a:solidFill>
+                  <a:srgbClr val="000000"/>
+                </a:solidFill>
+                <a:latin typeface="Arial" panose="020B0604020202020204" pitchFamily="34" charset="0"/>
+                <a:cs typeface="Arial" panose="020B0604020202020204" pitchFamily="34" charset="0"/>
+              </a:rPr>
+              <a:t>bebas</a:t>
+            </a:r>
+            <a:r>
+              <a:rPr lang="en-US" sz="2800" dirty="0">
+                <a:solidFill>
+                  <a:srgbClr val="000000"/>
+                </a:solidFill>
+                <a:latin typeface="Arial" panose="020B0604020202020204" pitchFamily="34" charset="0"/>
+                <a:cs typeface="Arial" panose="020B0604020202020204" pitchFamily="34" charset="0"/>
+              </a:rPr>
+              <a:t> (X) </a:t>
+            </a:r>
+            <a:r>
+              <a:rPr lang="en-US" sz="2800" dirty="0" err="1">
+                <a:solidFill>
+                  <a:srgbClr val="000000"/>
+                </a:solidFill>
+                <a:latin typeface="Arial" panose="020B0604020202020204" pitchFamily="34" charset="0"/>
+                <a:cs typeface="Arial" panose="020B0604020202020204" pitchFamily="34" charset="0"/>
+              </a:rPr>
+              <a:t>dengan</a:t>
+            </a:r>
+            <a:r>
+              <a:rPr lang="en-US" sz="2800" dirty="0">
+                <a:solidFill>
+                  <a:srgbClr val="000000"/>
+                </a:solidFill>
+                <a:latin typeface="Arial" panose="020B0604020202020204" pitchFamily="34" charset="0"/>
+                <a:cs typeface="Arial" panose="020B0604020202020204" pitchFamily="34" charset="0"/>
+              </a:rPr>
+              <a:t> </a:t>
+            </a:r>
+            <a:r>
+              <a:rPr lang="en-US" sz="2800" dirty="0" err="1">
+                <a:solidFill>
+                  <a:srgbClr val="000000"/>
+                </a:solidFill>
+                <a:latin typeface="Arial" panose="020B0604020202020204" pitchFamily="34" charset="0"/>
+                <a:cs typeface="Arial" panose="020B0604020202020204" pitchFamily="34" charset="0"/>
+              </a:rPr>
+              <a:t>satu</a:t>
+            </a:r>
+            <a:r>
+              <a:rPr lang="en-US" sz="2800" dirty="0">
+                <a:solidFill>
+                  <a:srgbClr val="000000"/>
+                </a:solidFill>
+                <a:latin typeface="Arial" panose="020B0604020202020204" pitchFamily="34" charset="0"/>
+                <a:cs typeface="Arial" panose="020B0604020202020204" pitchFamily="34" charset="0"/>
+              </a:rPr>
+              <a:t> </a:t>
+            </a:r>
+            <a:r>
+              <a:rPr lang="en-US" sz="2800" dirty="0" err="1">
+                <a:solidFill>
+                  <a:srgbClr val="000000"/>
+                </a:solidFill>
+                <a:latin typeface="Arial" panose="020B0604020202020204" pitchFamily="34" charset="0"/>
+                <a:cs typeface="Arial" panose="020B0604020202020204" pitchFamily="34" charset="0"/>
+              </a:rPr>
+              <a:t>peubah</a:t>
+            </a:r>
+            <a:r>
+              <a:rPr lang="en-US" sz="2800" dirty="0">
+                <a:solidFill>
+                  <a:srgbClr val="000000"/>
+                </a:solidFill>
+                <a:latin typeface="Arial" panose="020B0604020202020204" pitchFamily="34" charset="0"/>
+                <a:cs typeface="Arial" panose="020B0604020202020204" pitchFamily="34" charset="0"/>
+              </a:rPr>
+              <a:t> </a:t>
+            </a:r>
+            <a:r>
+              <a:rPr lang="en-US" sz="2800" dirty="0" err="1">
+                <a:solidFill>
+                  <a:srgbClr val="000000"/>
+                </a:solidFill>
+                <a:latin typeface="Arial" panose="020B0604020202020204" pitchFamily="34" charset="0"/>
+                <a:cs typeface="Arial" panose="020B0604020202020204" pitchFamily="34" charset="0"/>
+              </a:rPr>
+              <a:t>tak</a:t>
+            </a:r>
+            <a:r>
+              <a:rPr lang="en-US" sz="2800" dirty="0">
+                <a:solidFill>
+                  <a:srgbClr val="000000"/>
+                </a:solidFill>
+                <a:latin typeface="Arial" panose="020B0604020202020204" pitchFamily="34" charset="0"/>
+                <a:cs typeface="Arial" panose="020B0604020202020204" pitchFamily="34" charset="0"/>
+              </a:rPr>
+              <a:t> </a:t>
+            </a:r>
+            <a:r>
+              <a:rPr lang="en-US" sz="2800" dirty="0" err="1">
+                <a:solidFill>
+                  <a:srgbClr val="000000"/>
+                </a:solidFill>
+                <a:latin typeface="Arial" panose="020B0604020202020204" pitchFamily="34" charset="0"/>
+                <a:cs typeface="Arial" panose="020B0604020202020204" pitchFamily="34" charset="0"/>
+              </a:rPr>
+              <a:t>bebas</a:t>
+            </a:r>
+            <a:r>
+              <a:rPr lang="en-US" sz="2800" dirty="0">
+                <a:solidFill>
+                  <a:srgbClr val="000000"/>
+                </a:solidFill>
+                <a:latin typeface="Arial" panose="020B0604020202020204" pitchFamily="34" charset="0"/>
+                <a:cs typeface="Arial" panose="020B0604020202020204" pitchFamily="34" charset="0"/>
+              </a:rPr>
+              <a:t> (Y) </a:t>
+            </a:r>
+            <a:r>
+              <a:rPr lang="en-US" sz="2800" dirty="0" err="1">
+                <a:solidFill>
+                  <a:srgbClr val="000000"/>
+                </a:solidFill>
+                <a:latin typeface="Arial" panose="020B0604020202020204" pitchFamily="34" charset="0"/>
+                <a:cs typeface="Arial" panose="020B0604020202020204" pitchFamily="34" charset="0"/>
+              </a:rPr>
+              <a:t>mempunyai</a:t>
+            </a:r>
+            <a:r>
+              <a:rPr lang="en-US" sz="2800" dirty="0">
+                <a:solidFill>
+                  <a:srgbClr val="000000"/>
+                </a:solidFill>
+                <a:latin typeface="Arial" panose="020B0604020202020204" pitchFamily="34" charset="0"/>
+                <a:cs typeface="Arial" panose="020B0604020202020204" pitchFamily="34" charset="0"/>
+              </a:rPr>
+              <a:t> </a:t>
+            </a:r>
+            <a:r>
+              <a:rPr lang="en-US" sz="2800" dirty="0" err="1">
+                <a:solidFill>
+                  <a:srgbClr val="000000"/>
+                </a:solidFill>
+                <a:latin typeface="Arial" panose="020B0604020202020204" pitchFamily="34" charset="0"/>
+                <a:cs typeface="Arial" panose="020B0604020202020204" pitchFamily="34" charset="0"/>
+              </a:rPr>
+              <a:t>persamaan</a:t>
+            </a:r>
+            <a:r>
+              <a:rPr lang="en-US" sz="2800" dirty="0" smtClean="0">
+                <a:solidFill>
+                  <a:srgbClr val="000000"/>
+                </a:solidFill>
+                <a:latin typeface="Arial" panose="020B0604020202020204" pitchFamily="34" charset="0"/>
+                <a:cs typeface="Arial" panose="020B0604020202020204" pitchFamily="34" charset="0"/>
+              </a:rPr>
+              <a:t>:</a:t>
+            </a:r>
+          </a:p>
+          <a:p>
+            <a:pPr algn="just" fontAlgn="base"/>
+            <a:endParaRPr lang="en-US" sz="2800" dirty="0">
+              <a:solidFill>
+                <a:srgbClr val="000000"/>
+              </a:solidFill>
+              <a:latin typeface="Arial" panose="020B0604020202020204" pitchFamily="34" charset="0"/>
+              <a:cs typeface="Arial" panose="020B0604020202020204" pitchFamily="34" charset="0"/>
+            </a:endParaRPr>
+          </a:p>
+          <a:p>
+            <a:pPr algn="just" fontAlgn="base"/>
+            <a:r>
+              <a:rPr lang="en-US" sz="2800" dirty="0">
+                <a:solidFill>
+                  <a:srgbClr val="000000"/>
+                </a:solidFill>
+                <a:latin typeface="Arial" panose="020B0604020202020204" pitchFamily="34" charset="0"/>
+                <a:cs typeface="Arial" panose="020B0604020202020204" pitchFamily="34" charset="0"/>
+              </a:rPr>
+              <a:t>Y =a +</a:t>
+            </a:r>
+            <a:r>
+              <a:rPr lang="en-US" sz="2800" dirty="0" err="1">
+                <a:solidFill>
+                  <a:srgbClr val="000000"/>
+                </a:solidFill>
+                <a:latin typeface="Arial" panose="020B0604020202020204" pitchFamily="34" charset="0"/>
+                <a:cs typeface="Arial" panose="020B0604020202020204" pitchFamily="34" charset="0"/>
+              </a:rPr>
+              <a:t>bx</a:t>
+            </a:r>
+            <a:endParaRPr lang="en-US" sz="2800" b="0" i="0" dirty="0">
+              <a:solidFill>
+                <a:srgbClr val="000000"/>
+              </a:solidFill>
+              <a:effectLst/>
+              <a:latin typeface="Arial" panose="020B0604020202020204" pitchFamily="34" charset="0"/>
+              <a:cs typeface="Arial" panose="020B0604020202020204" pitchFamily="34" charset="0"/>
+            </a:endParaRPr>
+          </a:p>
+        </p:txBody>
+      </p:sp>
+    </p:spTree>
+    <p:extLst>
+      <p:ext uri="{BB962C8B-B14F-4D97-AF65-F5344CB8AC3E}">
+        <p14:creationId xmlns:p14="http://schemas.microsoft.com/office/powerpoint/2010/main" val="2091558787"/>
+      </p:ext>
+    </p:extLst>
+  </p:cSld>
+  <p:clrMapOvr>
+    <a:masterClrMapping/>
+  </p:clrMapOvr>
+</p:sld>
+</file>
+
+<file path=ppt/slides/slide5.xml><?xml version="1.0" encoding="utf-8"?>
+<p:sld xmlns:a="http://schemas.openxmlformats.org/drawingml/2006/main" xmlns:r="http://schemas.openxmlformats.org/officeDocument/2006/relationships" xmlns:p="http://schemas.openxmlformats.org/presentationml/2006/main">
+  <p:cSld>
+    <p:spTree>
+      <p:nvGrpSpPr>
+        <p:cNvPr id="1" name=""/>
+        <p:cNvGrpSpPr/>
+        <p:nvPr/>
+      </p:nvGrpSpPr>
+      <p:grpSpPr>
+        <a:xfrm>
+          <a:off x="0" y="0"/>
+          <a:ext cx="0" cy="0"/>
+          <a:chOff x="0" y="0"/>
+          <a:chExt cx="0" cy="0"/>
+        </a:xfrm>
+      </p:grpSpPr>
+      <p:sp>
+        <p:nvSpPr>
+          <p:cNvPr id="2" name="Title 1"/>
+          <p:cNvSpPr>
+            <a:spLocks noGrp="1"/>
+          </p:cNvSpPr>
+          <p:nvPr>
+            <p:ph type="title"/>
+          </p:nvPr>
+        </p:nvSpPr>
+        <p:spPr/>
+        <p:txBody>
+          <a:bodyPr/>
+          <a:lstStyle/>
+          <a:p>
+            <a:r>
+              <a:rPr lang="en-US" dirty="0" err="1" smtClean="0"/>
+              <a:t>Contoh</a:t>
+            </a:r>
+            <a:r>
+              <a:rPr lang="en-US" dirty="0" smtClean="0"/>
+              <a:t> </a:t>
+            </a:r>
+            <a:r>
+              <a:rPr lang="en-US" dirty="0" err="1" smtClean="0"/>
+              <a:t>Garis</a:t>
+            </a:r>
+            <a:r>
+              <a:rPr lang="en-US" dirty="0" smtClean="0"/>
+              <a:t> Linear</a:t>
+            </a:r>
+            <a:endParaRPr lang="en-US" dirty="0"/>
+          </a:p>
+        </p:txBody>
+      </p:sp>
+      <p:sp>
+        <p:nvSpPr>
+          <p:cNvPr id="5" name="Rectangle 3"/>
+          <p:cNvSpPr>
+            <a:spLocks noChangeArrowheads="1"/>
+          </p:cNvSpPr>
+          <p:nvPr/>
+        </p:nvSpPr>
+        <p:spPr bwMode="auto">
+          <a:xfrm>
+            <a:off x="532657" y="582566"/>
+            <a:ext cx="8154143" cy="2308324"/>
+          </a:xfrm>
+          <a:prstGeom prst="rect">
+            <a:avLst/>
+          </a:prstGeom>
+          <a:noFill/>
+          <a:ln>
+            <a:noFill/>
+          </a:ln>
+          <a:effectLst/>
+          <a:extLst>
+            <a:ext uri="{909E8E84-426E-40DD-AFC4-6F175D3DCCD1}">
+              <a14:hiddenFill xmlns:a14="http://schemas.microsoft.com/office/drawing/2010/main">
+                <a:solidFill>
+                  <a:schemeClr val="accent1"/>
+                </a:solidFill>
+              </a14:hiddenFill>
+            </a:ext>
+            <a:ext uri="{91240B29-F687-4F45-9708-019B960494DF}">
+              <a14:hiddenLine xmlns:a14="http://schemas.microsoft.com/office/drawing/2010/main" w="9525">
+                <a:solidFill>
+                  <a:schemeClr val="tx1"/>
+                </a:solidFill>
+                <a:miter lim="800000"/>
+                <a:headEnd/>
+                <a:tailEnd/>
+              </a14:hiddenLine>
+            </a:ext>
+            <a:ext uri="{AF507438-7753-43E0-B8FC-AC1667EBCBE1}">
+              <a14:hiddenEffects xmlns:a14="http://schemas.microsoft.com/office/drawing/2010/main">
+                <a:effectLst>
+                  <a:outerShdw dist="35921" dir="2700000" algn="ctr" rotWithShape="0">
+                    <a:schemeClr val="bg2"/>
+                  </a:outerShdw>
+                </a:effectLst>
+              </a14:hiddenEffects>
+            </a:ext>
+          </a:extLst>
+        </p:spPr>
+        <p:txBody>
+          <a:bodyPr vert="horz" wrap="square" lIns="91440" tIns="45720" rIns="91440" bIns="45720" numCol="1" anchor="ctr" anchorCtr="0" compatLnSpc="1">
+            <a:prstTxWarp prst="textNoShape">
+              <a:avLst/>
+            </a:prstTxWarp>
+            <a:spAutoFit/>
+          </a:bodyPr>
+          <a:lstStyle/>
+          <a:p>
+            <a:pPr marL="0" marR="0" lvl="0" indent="0" algn="l" defTabSz="914400" rtl="0" eaLnBrk="0" fontAlgn="base" latinLnBrk="0" hangingPunct="0">
+              <a:lnSpc>
+                <a:spcPct val="100000"/>
+              </a:lnSpc>
+              <a:spcBef>
+                <a:spcPct val="0"/>
+              </a:spcBef>
+              <a:spcAft>
+                <a:spcPct val="0"/>
+              </a:spcAft>
+              <a:buClrTx/>
+              <a:buSzTx/>
+              <a:buFontTx/>
+              <a:buNone/>
+              <a:tabLst/>
+            </a:pPr>
+            <a:r>
+              <a:rPr kumimoji="0" lang="en-US" altLang="en-US" sz="2400" b="0" i="0" u="none" strike="noStrike" cap="none" normalizeH="0" baseline="0" dirty="0" err="1" smtClean="0">
+                <a:ln>
+                  <a:noFill/>
+                </a:ln>
+                <a:solidFill>
+                  <a:srgbClr val="000000"/>
+                </a:solidFill>
+                <a:effectLst/>
+                <a:latin typeface="Arial" panose="020B0604020202020204" pitchFamily="34" charset="0"/>
+                <a:cs typeface="Arial" panose="020B0604020202020204" pitchFamily="34" charset="0"/>
+              </a:rPr>
+              <a:t>Sebagai</a:t>
+            </a:r>
+            <a:r>
+              <a:rPr kumimoji="0" lang="en-US" altLang="en-US" sz="2400" b="0" i="0" u="none" strike="noStrike" cap="none" normalizeH="0" baseline="0" dirty="0" smtClean="0">
+                <a:ln>
+                  <a:noFill/>
+                </a:ln>
+                <a:solidFill>
+                  <a:srgbClr val="000000"/>
+                </a:solidFill>
+                <a:effectLst/>
+                <a:latin typeface="Arial" panose="020B0604020202020204" pitchFamily="34" charset="0"/>
+                <a:cs typeface="Arial" panose="020B0604020202020204" pitchFamily="34" charset="0"/>
+              </a:rPr>
+              <a:t> </a:t>
+            </a:r>
+            <a:r>
+              <a:rPr kumimoji="0" lang="en-US" altLang="en-US" sz="2400" b="0" i="0" u="none" strike="noStrike" cap="none" normalizeH="0" baseline="0" dirty="0" err="1" smtClean="0">
+                <a:ln>
+                  <a:noFill/>
+                </a:ln>
+                <a:solidFill>
+                  <a:srgbClr val="000000"/>
+                </a:solidFill>
+                <a:effectLst/>
+                <a:latin typeface="Arial" panose="020B0604020202020204" pitchFamily="34" charset="0"/>
+                <a:cs typeface="Arial" panose="020B0604020202020204" pitchFamily="34" charset="0"/>
+              </a:rPr>
+              <a:t>contoh</a:t>
+            </a:r>
+            <a:r>
+              <a:rPr kumimoji="0" lang="en-US" altLang="en-US" sz="2400" b="0" i="0" u="none" strike="noStrike" cap="none" normalizeH="0" baseline="0" dirty="0" smtClean="0">
+                <a:ln>
+                  <a:noFill/>
+                </a:ln>
+                <a:solidFill>
+                  <a:srgbClr val="000000"/>
+                </a:solidFill>
+                <a:effectLst/>
+                <a:latin typeface="Arial" panose="020B0604020202020204" pitchFamily="34" charset="0"/>
+                <a:cs typeface="Arial" panose="020B0604020202020204" pitchFamily="34" charset="0"/>
+              </a:rPr>
+              <a:t> </a:t>
+            </a:r>
+            <a:r>
+              <a:rPr kumimoji="0" lang="en-US" altLang="en-US" sz="2400" b="0" i="0" u="none" strike="noStrike" cap="none" normalizeH="0" baseline="0" dirty="0" err="1" smtClean="0">
+                <a:ln>
+                  <a:noFill/>
+                </a:ln>
+                <a:solidFill>
+                  <a:srgbClr val="000000"/>
+                </a:solidFill>
+                <a:effectLst/>
+                <a:latin typeface="Arial" panose="020B0604020202020204" pitchFamily="34" charset="0"/>
+                <a:cs typeface="Arial" panose="020B0604020202020204" pitchFamily="34" charset="0"/>
+              </a:rPr>
+              <a:t>misalnya</a:t>
+            </a:r>
+            <a:r>
+              <a:rPr kumimoji="0" lang="en-US" altLang="en-US" sz="2400" b="0" i="0" u="none" strike="noStrike" cap="none" normalizeH="0" baseline="0" dirty="0" smtClean="0">
+                <a:ln>
+                  <a:noFill/>
+                </a:ln>
+                <a:solidFill>
+                  <a:srgbClr val="000000"/>
+                </a:solidFill>
+                <a:effectLst/>
+                <a:latin typeface="Arial" panose="020B0604020202020204" pitchFamily="34" charset="0"/>
+                <a:cs typeface="Arial" panose="020B0604020202020204" pitchFamily="34" charset="0"/>
+              </a:rPr>
+              <a:t> </a:t>
+            </a:r>
+            <a:r>
+              <a:rPr kumimoji="0" lang="en-US" altLang="en-US" sz="2400" b="0" i="0" u="none" strike="noStrike" cap="none" normalizeH="0" baseline="0" dirty="0" err="1" smtClean="0">
+                <a:ln>
+                  <a:noFill/>
+                </a:ln>
+                <a:solidFill>
+                  <a:srgbClr val="000000"/>
+                </a:solidFill>
+                <a:effectLst/>
+                <a:latin typeface="Arial" panose="020B0604020202020204" pitchFamily="34" charset="0"/>
+                <a:cs typeface="Arial" panose="020B0604020202020204" pitchFamily="34" charset="0"/>
+              </a:rPr>
+              <a:t>titik</a:t>
+            </a:r>
+            <a:r>
+              <a:rPr kumimoji="0" lang="en-US" altLang="en-US" sz="2400" b="0" i="0" u="none" strike="noStrike" cap="none" normalizeH="0" baseline="0" dirty="0" smtClean="0">
+                <a:ln>
+                  <a:noFill/>
+                </a:ln>
+                <a:solidFill>
+                  <a:srgbClr val="000000"/>
+                </a:solidFill>
+                <a:effectLst/>
+                <a:latin typeface="Arial" panose="020B0604020202020204" pitchFamily="34" charset="0"/>
+                <a:cs typeface="Arial" panose="020B0604020202020204" pitchFamily="34" charset="0"/>
+              </a:rPr>
+              <a:t> A (1,3) </a:t>
+            </a:r>
+            <a:r>
+              <a:rPr kumimoji="0" lang="en-US" altLang="en-US" sz="2400" b="0" i="0" u="none" strike="noStrike" cap="none" normalizeH="0" baseline="0" dirty="0" err="1" smtClean="0">
+                <a:ln>
+                  <a:noFill/>
+                </a:ln>
+                <a:solidFill>
+                  <a:srgbClr val="000000"/>
+                </a:solidFill>
+                <a:effectLst/>
+                <a:latin typeface="Arial" panose="020B0604020202020204" pitchFamily="34" charset="0"/>
+                <a:cs typeface="Arial" panose="020B0604020202020204" pitchFamily="34" charset="0"/>
+              </a:rPr>
+              <a:t>dan</a:t>
+            </a:r>
+            <a:r>
+              <a:rPr kumimoji="0" lang="en-US" altLang="en-US" sz="2400" b="0" i="0" u="none" strike="noStrike" cap="none" normalizeH="0" baseline="0" dirty="0" smtClean="0">
+                <a:ln>
+                  <a:noFill/>
+                </a:ln>
+                <a:solidFill>
+                  <a:srgbClr val="000000"/>
+                </a:solidFill>
+                <a:effectLst/>
+                <a:latin typeface="Arial" panose="020B0604020202020204" pitchFamily="34" charset="0"/>
+                <a:cs typeface="Arial" panose="020B0604020202020204" pitchFamily="34" charset="0"/>
+              </a:rPr>
+              <a:t> </a:t>
+            </a:r>
+            <a:r>
+              <a:rPr kumimoji="0" lang="en-US" altLang="en-US" sz="2400" b="0" i="0" u="none" strike="noStrike" cap="none" normalizeH="0" baseline="0" dirty="0" err="1" smtClean="0">
+                <a:ln>
+                  <a:noFill/>
+                </a:ln>
+                <a:solidFill>
+                  <a:srgbClr val="000000"/>
+                </a:solidFill>
+                <a:effectLst/>
+                <a:latin typeface="Arial" panose="020B0604020202020204" pitchFamily="34" charset="0"/>
+                <a:cs typeface="Arial" panose="020B0604020202020204" pitchFamily="34" charset="0"/>
+              </a:rPr>
+              <a:t>titik</a:t>
+            </a:r>
+            <a:r>
+              <a:rPr kumimoji="0" lang="en-US" altLang="en-US" sz="2400" b="0" i="0" u="none" strike="noStrike" cap="none" normalizeH="0" baseline="0" dirty="0" smtClean="0">
+                <a:ln>
+                  <a:noFill/>
+                </a:ln>
+                <a:solidFill>
+                  <a:srgbClr val="000000"/>
+                </a:solidFill>
+                <a:effectLst/>
+                <a:latin typeface="Arial" panose="020B0604020202020204" pitchFamily="34" charset="0"/>
+                <a:cs typeface="Arial" panose="020B0604020202020204" pitchFamily="34" charset="0"/>
+              </a:rPr>
+              <a:t> B ($,9) </a:t>
+            </a:r>
+            <a:r>
+              <a:rPr kumimoji="0" lang="en-US" altLang="en-US" sz="2400" b="0" i="0" u="none" strike="noStrike" cap="none" normalizeH="0" baseline="0" dirty="0" err="1" smtClean="0">
+                <a:ln>
+                  <a:noFill/>
+                </a:ln>
+                <a:solidFill>
+                  <a:srgbClr val="000000"/>
+                </a:solidFill>
+                <a:effectLst/>
+                <a:latin typeface="Arial" panose="020B0604020202020204" pitchFamily="34" charset="0"/>
+                <a:cs typeface="Arial" panose="020B0604020202020204" pitchFamily="34" charset="0"/>
+              </a:rPr>
+              <a:t>maka</a:t>
+            </a:r>
+            <a:r>
+              <a:rPr kumimoji="0" lang="en-US" altLang="en-US" sz="2400" b="0" i="0" u="none" strike="noStrike" cap="none" normalizeH="0" baseline="0" dirty="0" smtClean="0">
+                <a:ln>
+                  <a:noFill/>
+                </a:ln>
+                <a:solidFill>
+                  <a:srgbClr val="000000"/>
+                </a:solidFill>
+                <a:effectLst/>
+                <a:latin typeface="Arial" panose="020B0604020202020204" pitchFamily="34" charset="0"/>
+                <a:cs typeface="Arial" panose="020B0604020202020204" pitchFamily="34" charset="0"/>
+              </a:rPr>
+              <a:t> </a:t>
+            </a:r>
+            <a:r>
+              <a:rPr kumimoji="0" lang="en-US" altLang="en-US" sz="2400" b="0" i="0" u="none" strike="noStrike" cap="none" normalizeH="0" baseline="0" dirty="0" err="1" smtClean="0">
+                <a:ln>
+                  <a:noFill/>
+                </a:ln>
+                <a:solidFill>
+                  <a:srgbClr val="000000"/>
+                </a:solidFill>
+                <a:effectLst/>
+                <a:latin typeface="Arial" panose="020B0604020202020204" pitchFamily="34" charset="0"/>
+                <a:cs typeface="Arial" panose="020B0604020202020204" pitchFamily="34" charset="0"/>
+              </a:rPr>
+              <a:t>persamaan</a:t>
+            </a:r>
+            <a:r>
+              <a:rPr kumimoji="0" lang="en-US" altLang="en-US" sz="2400" b="0" i="0" u="none" strike="noStrike" cap="none" normalizeH="0" baseline="0" dirty="0" smtClean="0">
+                <a:ln>
+                  <a:noFill/>
+                </a:ln>
+                <a:solidFill>
+                  <a:srgbClr val="000000"/>
+                </a:solidFill>
+                <a:effectLst/>
+                <a:latin typeface="Arial" panose="020B0604020202020204" pitchFamily="34" charset="0"/>
+                <a:cs typeface="Arial" panose="020B0604020202020204" pitchFamily="34" charset="0"/>
+              </a:rPr>
+              <a:t> </a:t>
+            </a:r>
+            <a:r>
+              <a:rPr kumimoji="0" lang="en-US" altLang="en-US" sz="2400" b="0" i="0" u="none" strike="noStrike" cap="none" normalizeH="0" baseline="0" dirty="0" err="1" smtClean="0">
+                <a:ln>
+                  <a:noFill/>
+                </a:ln>
+                <a:solidFill>
+                  <a:srgbClr val="000000"/>
+                </a:solidFill>
+                <a:effectLst/>
+                <a:latin typeface="Arial" panose="020B0604020202020204" pitchFamily="34" charset="0"/>
+                <a:cs typeface="Arial" panose="020B0604020202020204" pitchFamily="34" charset="0"/>
+              </a:rPr>
+              <a:t>garis</a:t>
+            </a:r>
+            <a:r>
+              <a:rPr kumimoji="0" lang="en-US" altLang="en-US" sz="2400" b="0" i="0" u="none" strike="noStrike" cap="none" normalizeH="0" baseline="0" dirty="0" smtClean="0">
+                <a:ln>
+                  <a:noFill/>
+                </a:ln>
+                <a:solidFill>
+                  <a:srgbClr val="000000"/>
+                </a:solidFill>
+                <a:effectLst/>
+                <a:latin typeface="Arial" panose="020B0604020202020204" pitchFamily="34" charset="0"/>
+                <a:cs typeface="Arial" panose="020B0604020202020204" pitchFamily="34" charset="0"/>
+              </a:rPr>
+              <a:t> linear yang </a:t>
+            </a:r>
+            <a:r>
+              <a:rPr kumimoji="0" lang="en-US" altLang="en-US" sz="2400" b="0" i="0" u="none" strike="noStrike" cap="none" normalizeH="0" baseline="0" dirty="0" err="1" smtClean="0">
+                <a:ln>
+                  <a:noFill/>
+                </a:ln>
+                <a:solidFill>
+                  <a:srgbClr val="000000"/>
+                </a:solidFill>
+                <a:effectLst/>
+                <a:latin typeface="Arial" panose="020B0604020202020204" pitchFamily="34" charset="0"/>
+                <a:cs typeface="Arial" panose="020B0604020202020204" pitchFamily="34" charset="0"/>
+              </a:rPr>
+              <a:t>dapat</a:t>
+            </a:r>
+            <a:r>
+              <a:rPr kumimoji="0" lang="en-US" altLang="en-US" sz="2400" b="0" i="0" u="none" strike="noStrike" cap="none" normalizeH="0" baseline="0" dirty="0" smtClean="0">
+                <a:ln>
+                  <a:noFill/>
+                </a:ln>
+                <a:solidFill>
+                  <a:srgbClr val="000000"/>
+                </a:solidFill>
+                <a:effectLst/>
+                <a:latin typeface="Arial" panose="020B0604020202020204" pitchFamily="34" charset="0"/>
+                <a:cs typeface="Arial" panose="020B0604020202020204" pitchFamily="34" charset="0"/>
+              </a:rPr>
+              <a:t> </a:t>
+            </a:r>
+            <a:r>
+              <a:rPr kumimoji="0" lang="en-US" altLang="en-US" sz="2400" b="0" i="0" u="none" strike="noStrike" cap="none" normalizeH="0" baseline="0" dirty="0" err="1" smtClean="0">
+                <a:ln>
+                  <a:noFill/>
+                </a:ln>
+                <a:solidFill>
+                  <a:srgbClr val="000000"/>
+                </a:solidFill>
+                <a:effectLst/>
+                <a:latin typeface="Arial" panose="020B0604020202020204" pitchFamily="34" charset="0"/>
+                <a:cs typeface="Arial" panose="020B0604020202020204" pitchFamily="34" charset="0"/>
+              </a:rPr>
+              <a:t>dibuat</a:t>
+            </a:r>
+            <a:r>
+              <a:rPr kumimoji="0" lang="en-US" altLang="en-US" sz="2400" b="0" i="0" u="none" strike="noStrike" cap="none" normalizeH="0" baseline="0" dirty="0" smtClean="0">
+                <a:ln>
+                  <a:noFill/>
+                </a:ln>
+                <a:solidFill>
+                  <a:srgbClr val="000000"/>
+                </a:solidFill>
+                <a:effectLst/>
+                <a:latin typeface="Arial" panose="020B0604020202020204" pitchFamily="34" charset="0"/>
+                <a:cs typeface="Arial" panose="020B0604020202020204" pitchFamily="34" charset="0"/>
+              </a:rPr>
+              <a:t> </a:t>
+            </a:r>
+            <a:r>
+              <a:rPr kumimoji="0" lang="en-US" altLang="en-US" sz="2400" b="0" i="0" u="none" strike="noStrike" cap="none" normalizeH="0" baseline="0" dirty="0" err="1" smtClean="0">
+                <a:ln>
+                  <a:noFill/>
+                </a:ln>
+                <a:solidFill>
+                  <a:srgbClr val="000000"/>
+                </a:solidFill>
+                <a:effectLst/>
+                <a:latin typeface="Arial" panose="020B0604020202020204" pitchFamily="34" charset="0"/>
+                <a:cs typeface="Arial" panose="020B0604020202020204" pitchFamily="34" charset="0"/>
+              </a:rPr>
+              <a:t>adalah</a:t>
+            </a:r>
+            <a:r>
+              <a:rPr kumimoji="0" lang="en-US" altLang="en-US" sz="2400" b="0" i="0" u="none" strike="noStrike" cap="none" normalizeH="0" baseline="0" dirty="0" smtClean="0">
+                <a:ln>
+                  <a:noFill/>
+                </a:ln>
+                <a:solidFill>
+                  <a:srgbClr val="000000"/>
+                </a:solidFill>
+                <a:effectLst/>
+                <a:latin typeface="Arial" panose="020B0604020202020204" pitchFamily="34" charset="0"/>
+                <a:cs typeface="Arial" panose="020B0604020202020204" pitchFamily="34" charset="0"/>
+              </a:rPr>
+              <a:t>:</a:t>
+            </a:r>
+            <a:endParaRPr kumimoji="0" lang="en-US" altLang="en-US" sz="1200" b="0" i="0" u="none" strike="noStrike" cap="none" normalizeH="0" baseline="0" dirty="0" smtClean="0">
+              <a:ln>
+                <a:noFill/>
+              </a:ln>
+              <a:solidFill>
+                <a:schemeClr val="tx1"/>
+              </a:solidFill>
+              <a:effectLst/>
+              <a:latin typeface="Arial" panose="020B0604020202020204" pitchFamily="34" charset="0"/>
+              <a:cs typeface="Arial" panose="020B0604020202020204" pitchFamily="34" charset="0"/>
+            </a:endParaRPr>
+          </a:p>
+          <a:p>
+            <a:pPr marL="0" marR="0" lvl="0" indent="0" algn="l" defTabSz="914400" rtl="0" eaLnBrk="0" fontAlgn="base" latinLnBrk="0" hangingPunct="0">
+              <a:lnSpc>
+                <a:spcPct val="100000"/>
+              </a:lnSpc>
+              <a:spcBef>
+                <a:spcPct val="0"/>
+              </a:spcBef>
+              <a:spcAft>
+                <a:spcPct val="0"/>
+              </a:spcAft>
+              <a:buClrTx/>
+              <a:buSzTx/>
+              <a:buFontTx/>
+              <a:buNone/>
+              <a:tabLst/>
+            </a:pPr>
+            <a:r>
+              <a:rPr kumimoji="0" lang="en-US" altLang="en-US" sz="3600" b="0" i="0" u="none" strike="noStrike" cap="none" normalizeH="0" baseline="0" dirty="0" smtClean="0">
+                <a:ln>
+                  <a:noFill/>
+                </a:ln>
+                <a:solidFill>
+                  <a:schemeClr val="tx1"/>
+                </a:solidFill>
+                <a:effectLst/>
+                <a:latin typeface="Arial" panose="020B0604020202020204" pitchFamily="34" charset="0"/>
+                <a:cs typeface="Arial" panose="020B0604020202020204" pitchFamily="34" charset="0"/>
+              </a:rPr>
+              <a:t>  </a:t>
+            </a:r>
+            <a:r>
+              <a:rPr kumimoji="0" lang="en-US" altLang="en-US" sz="9600" b="0" i="0" u="none" strike="noStrike" cap="none" normalizeH="0" baseline="0" dirty="0" smtClean="0">
+                <a:ln>
+                  <a:noFill/>
+                </a:ln>
+                <a:solidFill>
+                  <a:schemeClr val="tx1"/>
+                </a:solidFill>
+                <a:effectLst/>
+                <a:latin typeface="Arial" panose="020B0604020202020204" pitchFamily="34" charset="0"/>
+                <a:cs typeface="Arial" panose="020B0604020202020204" pitchFamily="34" charset="0"/>
+              </a:rPr>
+              <a:t> </a:t>
+            </a:r>
+            <a:endParaRPr kumimoji="0" lang="en-US" altLang="en-US" sz="3600" b="0" i="0" u="none" strike="noStrike" cap="none" normalizeH="0" baseline="0" dirty="0" smtClean="0">
+              <a:ln>
+                <a:noFill/>
+              </a:ln>
+              <a:solidFill>
+                <a:schemeClr val="tx1"/>
+              </a:solidFill>
+              <a:effectLst/>
+              <a:latin typeface="Arial" panose="020B0604020202020204" pitchFamily="34" charset="0"/>
+              <a:cs typeface="Arial" panose="020B0604020202020204" pitchFamily="34" charset="0"/>
+            </a:endParaRPr>
+          </a:p>
+        </p:txBody>
+      </p:sp>
+      <p:pic>
+        <p:nvPicPr>
+          <p:cNvPr id="2052" name="Picture 4" descr="Persamaan Garis Linear"/>
+          <p:cNvPicPr>
+            <a:picLocks noChangeAspect="1" noChangeArrowheads="1"/>
+          </p:cNvPicPr>
+          <p:nvPr/>
+        </p:nvPicPr>
+        <p:blipFill>
+          <a:blip r:embed="rId2">
+            <a:extLst>
+              <a:ext uri="{28A0092B-C50C-407E-A947-70E740481C1C}">
+                <a14:useLocalDpi xmlns:a14="http://schemas.microsoft.com/office/drawing/2010/main" val="0"/>
+              </a:ext>
+            </a:extLst>
+          </a:blip>
+          <a:srcRect/>
+          <a:stretch>
+            <a:fillRect/>
+          </a:stretch>
+        </p:blipFill>
+        <p:spPr bwMode="auto">
+          <a:xfrm>
+            <a:off x="2362200" y="2156328"/>
+            <a:ext cx="5089864" cy="2621280"/>
+          </a:xfrm>
+          <a:prstGeom prst="rect">
+            <a:avLst/>
+          </a:prstGeom>
+          <a:noFill/>
+          <a:extLst>
+            <a:ext uri="{909E8E84-426E-40DD-AFC4-6F175D3DCCD1}">
+              <a14:hiddenFill xmlns:a14="http://schemas.microsoft.com/office/drawing/2010/main">
+                <a:solidFill>
+                  <a:srgbClr val="FFFFFF"/>
+                </a:solidFill>
+              </a14:hiddenFill>
+            </a:ext>
+          </a:extLst>
+        </p:spPr>
+      </p:pic>
+    </p:spTree>
+    <p:extLst>
+      <p:ext uri="{BB962C8B-B14F-4D97-AF65-F5344CB8AC3E}">
+        <p14:creationId xmlns:p14="http://schemas.microsoft.com/office/powerpoint/2010/main" val="1742206689"/>
+      </p:ext>
+    </p:extLst>
+  </p:cSld>
+  <p:clrMapOvr>
+    <a:masterClrMapping/>
+  </p:clrMapOvr>
+</p:sld>
+</file>
+
+<file path=ppt/slides/slide6.xml><?xml version="1.0" encoding="utf-8"?>
+<p:sld xmlns:a="http://schemas.openxmlformats.org/drawingml/2006/main" xmlns:r="http://schemas.openxmlformats.org/officeDocument/2006/relationships" xmlns:p="http://schemas.openxmlformats.org/presentationml/2006/main">
+  <p:cSld>
+    <p:spTree>
+      <p:nvGrpSpPr>
+        <p:cNvPr id="1" name=""/>
+        <p:cNvGrpSpPr/>
+        <p:nvPr/>
+      </p:nvGrpSpPr>
+      <p:grpSpPr>
+        <a:xfrm>
+          <a:off x="0" y="0"/>
+          <a:ext cx="0" cy="0"/>
+          <a:chOff x="0" y="0"/>
+          <a:chExt cx="0" cy="0"/>
+        </a:xfrm>
+      </p:grpSpPr>
+      <p:sp>
+        <p:nvSpPr>
+          <p:cNvPr id="2" name="Title 1"/>
+          <p:cNvSpPr>
+            <a:spLocks noGrp="1"/>
+          </p:cNvSpPr>
+          <p:nvPr>
+            <p:ph type="ctrTitle"/>
+          </p:nvPr>
+        </p:nvSpPr>
+        <p:spPr>
+          <a:xfrm>
+            <a:off x="457200" y="1219200"/>
+            <a:ext cx="8229600" cy="2133600"/>
+          </a:xfrm>
+        </p:spPr>
+        <p:txBody>
+          <a:bodyPr>
+            <a:normAutofit fontScale="90000"/>
+          </a:bodyPr>
+          <a:lstStyle/>
+          <a:p>
+            <a:r>
+              <a:rPr lang="en-US" dirty="0" smtClean="0"/>
+              <a:t>CONTOH IMPLEMENTASI ARTIFICIAL INTELLIGENCE</a:t>
+            </a:r>
+            <a:br>
+              <a:rPr lang="en-US" dirty="0" smtClean="0"/>
+            </a:br>
+            <a:r>
+              <a:rPr lang="en-US" dirty="0" smtClean="0"/>
+              <a:t>DI BIDANG OLAHRAGA</a:t>
+            </a:r>
+            <a:r>
+              <a:rPr lang="en-US" b="1" dirty="0"/>
+              <a:t/>
+            </a:r>
+            <a:br>
+              <a:rPr lang="en-US" b="1" dirty="0"/>
+            </a:br>
+            <a:endParaRPr lang="en-US" dirty="0"/>
+          </a:p>
+        </p:txBody>
+      </p:sp>
+      <p:sp>
+        <p:nvSpPr>
+          <p:cNvPr id="3" name="Subtitle 2"/>
+          <p:cNvSpPr>
+            <a:spLocks noGrp="1"/>
+          </p:cNvSpPr>
+          <p:nvPr>
+            <p:ph type="subTitle" idx="1"/>
+          </p:nvPr>
+        </p:nvSpPr>
+        <p:spPr>
+          <a:xfrm>
+            <a:off x="6858000" y="5867400"/>
+            <a:ext cx="1905000" cy="533400"/>
+          </a:xfrm>
+        </p:spPr>
+        <p:txBody>
+          <a:bodyPr/>
+          <a:lstStyle/>
+          <a:p>
+            <a:pPr algn="l"/>
+            <a:r>
+              <a:rPr lang="en-US" dirty="0" err="1" smtClean="0"/>
+              <a:t>Kelompok</a:t>
+            </a:r>
+            <a:r>
+              <a:rPr lang="en-US" dirty="0" smtClean="0"/>
+              <a:t> 4</a:t>
+            </a:r>
+            <a:endParaRPr lang="en-US" dirty="0"/>
+          </a:p>
+        </p:txBody>
+      </p:sp>
+    </p:spTree>
+  </p:cSld>
+  <p:clrMapOvr>
+    <a:masterClrMapping/>
+  </p:clrMapOvr>
+</p:sld>
+</file>
+
+<file path=ppt/slides/slide7.xml><?xml version="1.0" encoding="utf-8"?>
+<p:sld xmlns:a="http://schemas.openxmlformats.org/drawingml/2006/main" xmlns:r="http://schemas.openxmlformats.org/officeDocument/2006/relationships" xmlns:p="http://schemas.openxmlformats.org/presentationml/2006/main">
+  <p:cSld>
+    <p:spTree>
+      <p:nvGrpSpPr>
+        <p:cNvPr id="1" name=""/>
+        <p:cNvGrpSpPr/>
+        <p:nvPr/>
+      </p:nvGrpSpPr>
+      <p:grpSpPr>
+        <a:xfrm>
+          <a:off x="0" y="0"/>
+          <a:ext cx="0" cy="0"/>
+          <a:chOff x="0" y="0"/>
+          <a:chExt cx="0" cy="0"/>
+        </a:xfrm>
+      </p:grpSpPr>
+      <p:sp>
+        <p:nvSpPr>
+          <p:cNvPr id="2" name="Title 1"/>
+          <p:cNvSpPr>
+            <a:spLocks noGrp="1"/>
+          </p:cNvSpPr>
+          <p:nvPr>
+            <p:ph type="title"/>
+          </p:nvPr>
+        </p:nvSpPr>
+        <p:spPr>
+          <a:xfrm>
+            <a:off x="533400" y="762000"/>
+            <a:ext cx="8183880" cy="1051560"/>
+          </a:xfrm>
+        </p:spPr>
+        <p:txBody>
+          <a:bodyPr/>
+          <a:lstStyle/>
+          <a:p>
+            <a:r>
+              <a:rPr lang="en-US" dirty="0" smtClean="0"/>
+              <a:t>SENSOR ZEPP </a:t>
+            </a:r>
+            <a:endParaRPr lang="en-US" dirty="0"/>
+          </a:p>
+        </p:txBody>
+      </p:sp>
+      <p:sp>
+        <p:nvSpPr>
+          <p:cNvPr id="5" name="TextBox 4"/>
+          <p:cNvSpPr txBox="1"/>
+          <p:nvPr/>
+        </p:nvSpPr>
+        <p:spPr>
+          <a:xfrm>
+            <a:off x="533400" y="2286000"/>
+            <a:ext cx="8077200" cy="3416320"/>
+          </a:xfrm>
+          <a:prstGeom prst="rect">
+            <a:avLst/>
+          </a:prstGeom>
+          <a:noFill/>
+        </p:spPr>
+        <p:txBody>
+          <a:bodyPr wrap="square" rtlCol="0">
+            <a:spAutoFit/>
+          </a:bodyPr>
+          <a:lstStyle/>
+          <a:p>
+            <a:r>
+              <a:rPr lang="en-US" dirty="0" err="1"/>
+              <a:t>Dengan</a:t>
+            </a:r>
+            <a:r>
+              <a:rPr lang="en-US" dirty="0"/>
+              <a:t> </a:t>
+            </a:r>
+            <a:r>
+              <a:rPr lang="en-US" dirty="0" err="1"/>
+              <a:t>perkembangan</a:t>
+            </a:r>
+            <a:r>
+              <a:rPr lang="en-US" dirty="0"/>
+              <a:t> </a:t>
+            </a:r>
+            <a:r>
+              <a:rPr lang="en-US" dirty="0" err="1"/>
+              <a:t>inovasi</a:t>
+            </a:r>
+            <a:r>
+              <a:rPr lang="en-US" dirty="0"/>
+              <a:t> </a:t>
+            </a:r>
+            <a:r>
+              <a:rPr lang="en-US" dirty="0" err="1"/>
+              <a:t>teknologi</a:t>
+            </a:r>
+            <a:r>
+              <a:rPr lang="en-US" dirty="0"/>
+              <a:t> </a:t>
+            </a:r>
+            <a:r>
+              <a:rPr lang="en-US" dirty="0" err="1"/>
+              <a:t>di</a:t>
+            </a:r>
+            <a:r>
+              <a:rPr lang="en-US" dirty="0"/>
+              <a:t> </a:t>
+            </a:r>
+            <a:r>
+              <a:rPr lang="en-US" dirty="0" err="1"/>
+              <a:t>dunia</a:t>
+            </a:r>
+            <a:r>
+              <a:rPr lang="en-US" dirty="0"/>
+              <a:t> </a:t>
+            </a:r>
+            <a:r>
+              <a:rPr lang="en-US" dirty="0" err="1"/>
+              <a:t>olahraga</a:t>
+            </a:r>
+            <a:r>
+              <a:rPr lang="en-US" dirty="0"/>
+              <a:t>, </a:t>
+            </a:r>
+            <a:r>
+              <a:rPr lang="en-US" dirty="0" err="1" smtClean="0"/>
+              <a:t>Zepp</a:t>
+            </a:r>
+            <a:r>
+              <a:rPr lang="en-US" dirty="0" smtClean="0"/>
+              <a:t> </a:t>
+            </a:r>
+            <a:r>
+              <a:rPr lang="en-US" dirty="0" err="1" smtClean="0"/>
+              <a:t>menciptakan</a:t>
+            </a:r>
+            <a:r>
+              <a:rPr lang="en-US" dirty="0" smtClean="0"/>
+              <a:t> </a:t>
+            </a:r>
+            <a:r>
+              <a:rPr lang="en-US" dirty="0" err="1"/>
+              <a:t>sebuah</a:t>
+            </a:r>
+            <a:r>
+              <a:rPr lang="en-US" dirty="0"/>
+              <a:t> sensor yang </a:t>
+            </a:r>
+            <a:r>
+              <a:rPr lang="en-US" dirty="0" err="1"/>
+              <a:t>dapat</a:t>
+            </a:r>
+            <a:r>
+              <a:rPr lang="en-US" dirty="0"/>
+              <a:t> </a:t>
+            </a:r>
+            <a:r>
+              <a:rPr lang="en-US" dirty="0" err="1"/>
+              <a:t>di</a:t>
+            </a:r>
+            <a:r>
+              <a:rPr lang="en-US" dirty="0"/>
+              <a:t> </a:t>
+            </a:r>
+            <a:r>
+              <a:rPr lang="en-US" dirty="0" err="1"/>
+              <a:t>pasang</a:t>
+            </a:r>
+            <a:r>
+              <a:rPr lang="en-US" dirty="0"/>
+              <a:t> </a:t>
+            </a:r>
+            <a:r>
+              <a:rPr lang="en-US" dirty="0" err="1"/>
+              <a:t>setiap</a:t>
+            </a:r>
+            <a:r>
+              <a:rPr lang="en-US" dirty="0"/>
+              <a:t> bola, </a:t>
+            </a:r>
+            <a:r>
+              <a:rPr lang="en-US" dirty="0" err="1"/>
+              <a:t>raket</a:t>
+            </a:r>
+            <a:r>
+              <a:rPr lang="en-US" dirty="0"/>
+              <a:t>, </a:t>
+            </a:r>
+            <a:r>
+              <a:rPr lang="en-US" dirty="0" err="1"/>
+              <a:t>alat</a:t>
+            </a:r>
+            <a:r>
+              <a:rPr lang="en-US" dirty="0"/>
+              <a:t> </a:t>
+            </a:r>
+            <a:r>
+              <a:rPr lang="en-US" dirty="0" err="1"/>
+              <a:t>pemukul</a:t>
+            </a:r>
+            <a:r>
+              <a:rPr lang="en-US" dirty="0"/>
+              <a:t> bola, helm, </a:t>
+            </a:r>
+            <a:r>
+              <a:rPr lang="en-US" dirty="0" err="1"/>
+              <a:t>sepatu</a:t>
+            </a:r>
+            <a:r>
+              <a:rPr lang="en-US" dirty="0"/>
+              <a:t>, </a:t>
+            </a:r>
+            <a:r>
+              <a:rPr lang="en-US" dirty="0" err="1"/>
+              <a:t>ikat</a:t>
+            </a:r>
+            <a:r>
+              <a:rPr lang="en-US" dirty="0"/>
+              <a:t> </a:t>
+            </a:r>
+            <a:r>
+              <a:rPr lang="en-US" dirty="0" err="1"/>
+              <a:t>pinggang</a:t>
+            </a:r>
+            <a:r>
+              <a:rPr lang="en-US" dirty="0"/>
+              <a:t>, </a:t>
+            </a:r>
+            <a:r>
+              <a:rPr lang="en-US" dirty="0" err="1"/>
+              <a:t>sarung</a:t>
+            </a:r>
+            <a:r>
+              <a:rPr lang="en-US" dirty="0"/>
+              <a:t> </a:t>
+            </a:r>
+            <a:r>
+              <a:rPr lang="en-US" dirty="0" err="1"/>
+              <a:t>tangan</a:t>
+            </a:r>
+            <a:r>
+              <a:rPr lang="en-US" dirty="0"/>
+              <a:t>, </a:t>
+            </a:r>
+            <a:r>
+              <a:rPr lang="en-US" dirty="0" err="1"/>
+              <a:t>dimana</a:t>
+            </a:r>
+            <a:r>
+              <a:rPr lang="en-US" dirty="0"/>
+              <a:t> data </a:t>
+            </a:r>
+            <a:r>
+              <a:rPr lang="en-US" dirty="0" err="1"/>
+              <a:t>dalam</a:t>
+            </a:r>
+            <a:r>
+              <a:rPr lang="en-US" dirty="0"/>
+              <a:t> </a:t>
+            </a:r>
+            <a:r>
+              <a:rPr lang="en-US" dirty="0" err="1"/>
+              <a:t>bentuk</a:t>
+            </a:r>
+            <a:r>
+              <a:rPr lang="en-US" dirty="0"/>
+              <a:t> digital </a:t>
+            </a:r>
+            <a:r>
+              <a:rPr lang="en-US" dirty="0" err="1"/>
+              <a:t>dikumpulkan</a:t>
+            </a:r>
+            <a:r>
+              <a:rPr lang="en-US" dirty="0"/>
+              <a:t> </a:t>
+            </a:r>
+            <a:r>
+              <a:rPr lang="en-US" dirty="0" err="1"/>
+              <a:t>untuk</a:t>
+            </a:r>
+            <a:r>
+              <a:rPr lang="en-US" dirty="0"/>
+              <a:t> </a:t>
+            </a:r>
+            <a:r>
+              <a:rPr lang="en-US" dirty="0" err="1"/>
+              <a:t>dipelajari</a:t>
+            </a:r>
+            <a:r>
+              <a:rPr lang="en-US" dirty="0"/>
+              <a:t> </a:t>
+            </a:r>
+            <a:r>
+              <a:rPr lang="en-US" dirty="0" err="1"/>
+              <a:t>dan</a:t>
+            </a:r>
+            <a:r>
+              <a:rPr lang="en-US" dirty="0"/>
+              <a:t> </a:t>
+            </a:r>
+            <a:r>
+              <a:rPr lang="en-US" dirty="0" err="1"/>
+              <a:t>ditindaklanjuti</a:t>
+            </a:r>
+            <a:r>
+              <a:rPr lang="en-US" dirty="0"/>
+              <a:t> </a:t>
+            </a:r>
+            <a:r>
+              <a:rPr lang="en-US" dirty="0" err="1"/>
+              <a:t>demi</a:t>
+            </a:r>
+            <a:r>
+              <a:rPr lang="en-US" dirty="0"/>
+              <a:t> </a:t>
+            </a:r>
+            <a:r>
+              <a:rPr lang="en-US" dirty="0" err="1"/>
+              <a:t>meningkatkan</a:t>
+            </a:r>
+            <a:r>
+              <a:rPr lang="en-US" dirty="0"/>
+              <a:t> </a:t>
+            </a:r>
+            <a:r>
+              <a:rPr lang="en-US" dirty="0" err="1"/>
+              <a:t>teknik</a:t>
+            </a:r>
+            <a:r>
+              <a:rPr lang="en-US" dirty="0"/>
+              <a:t> </a:t>
+            </a:r>
+            <a:r>
+              <a:rPr lang="en-US" dirty="0" err="1"/>
+              <a:t>permainan</a:t>
+            </a:r>
+            <a:r>
+              <a:rPr lang="en-US" dirty="0"/>
+              <a:t> </a:t>
+            </a:r>
+            <a:r>
+              <a:rPr lang="en-US" dirty="0" err="1"/>
+              <a:t>olahraga</a:t>
+            </a:r>
+            <a:r>
+              <a:rPr lang="en-US" dirty="0" smtClean="0"/>
+              <a:t>.</a:t>
+            </a:r>
+          </a:p>
+          <a:p>
+            <a:endParaRPr lang="en-US" dirty="0"/>
+          </a:p>
+          <a:p>
+            <a:r>
+              <a:rPr lang="en-US" dirty="0" err="1"/>
+              <a:t>Keunggulan</a:t>
+            </a:r>
+            <a:r>
+              <a:rPr lang="en-US" dirty="0"/>
+              <a:t> </a:t>
+            </a:r>
+            <a:r>
+              <a:rPr lang="en-US" dirty="0" err="1"/>
+              <a:t>Zepp</a:t>
+            </a:r>
+            <a:r>
+              <a:rPr lang="en-US" dirty="0"/>
+              <a:t> </a:t>
+            </a:r>
+            <a:r>
+              <a:rPr lang="en-US" dirty="0" err="1"/>
+              <a:t>terletak</a:t>
+            </a:r>
+            <a:r>
+              <a:rPr lang="en-US" dirty="0"/>
+              <a:t> </a:t>
+            </a:r>
+            <a:r>
+              <a:rPr lang="en-US" dirty="0" err="1"/>
+              <a:t>di</a:t>
+            </a:r>
+            <a:r>
+              <a:rPr lang="en-US" dirty="0"/>
+              <a:t> </a:t>
+            </a:r>
+            <a:r>
+              <a:rPr lang="en-US" dirty="0" err="1"/>
+              <a:t>sisi</a:t>
+            </a:r>
+            <a:r>
+              <a:rPr lang="en-US" dirty="0"/>
+              <a:t> </a:t>
+            </a:r>
+            <a:r>
+              <a:rPr lang="en-US" dirty="0" err="1"/>
+              <a:t>perangkat</a:t>
+            </a:r>
+            <a:r>
+              <a:rPr lang="en-US" dirty="0"/>
+              <a:t> </a:t>
+            </a:r>
+            <a:r>
+              <a:rPr lang="en-US" dirty="0" err="1"/>
+              <a:t>lunak</a:t>
+            </a:r>
+            <a:r>
+              <a:rPr lang="en-US" dirty="0"/>
+              <a:t> yang </a:t>
+            </a:r>
+            <a:r>
+              <a:rPr lang="en-US" dirty="0" err="1"/>
+              <a:t>terhubung</a:t>
+            </a:r>
+            <a:r>
+              <a:rPr lang="en-US" dirty="0"/>
+              <a:t> </a:t>
+            </a:r>
+            <a:r>
+              <a:rPr lang="en-US" dirty="0" err="1"/>
+              <a:t>dengan</a:t>
+            </a:r>
+            <a:r>
+              <a:rPr lang="en-US" dirty="0"/>
+              <a:t> </a:t>
+            </a:r>
+            <a:r>
+              <a:rPr lang="en-US" dirty="0" err="1"/>
+              <a:t>peralatan</a:t>
+            </a:r>
+            <a:r>
+              <a:rPr lang="en-US" dirty="0"/>
+              <a:t> </a:t>
+            </a:r>
+            <a:r>
+              <a:rPr lang="en-US" dirty="0" err="1"/>
+              <a:t>olahraga</a:t>
+            </a:r>
+            <a:r>
+              <a:rPr lang="en-US" dirty="0"/>
+              <a:t> </a:t>
+            </a:r>
+            <a:r>
+              <a:rPr lang="en-US" dirty="0" err="1"/>
+              <a:t>dan</a:t>
+            </a:r>
+            <a:r>
+              <a:rPr lang="en-US" dirty="0"/>
+              <a:t> </a:t>
+            </a:r>
+            <a:r>
+              <a:rPr lang="en-US" dirty="0" err="1"/>
+              <a:t>berbagi</a:t>
+            </a:r>
+            <a:r>
+              <a:rPr lang="en-US" dirty="0"/>
+              <a:t> data </a:t>
+            </a:r>
+            <a:r>
+              <a:rPr lang="en-US" dirty="0" err="1"/>
+              <a:t>melalui</a:t>
+            </a:r>
+            <a:r>
+              <a:rPr lang="en-US" dirty="0"/>
+              <a:t> </a:t>
+            </a:r>
+            <a:r>
+              <a:rPr lang="en-US" dirty="0" err="1"/>
+              <a:t>aplikasi</a:t>
+            </a:r>
+            <a:r>
+              <a:rPr lang="en-US" dirty="0"/>
+              <a:t> yang </a:t>
+            </a:r>
+            <a:r>
+              <a:rPr lang="en-US" dirty="0" err="1"/>
+              <a:t>dapat</a:t>
+            </a:r>
+            <a:r>
+              <a:rPr lang="en-US" dirty="0"/>
+              <a:t> </a:t>
+            </a:r>
+            <a:r>
+              <a:rPr lang="en-US" dirty="0" err="1"/>
+              <a:t>diakses</a:t>
+            </a:r>
+            <a:r>
+              <a:rPr lang="en-US" dirty="0"/>
+              <a:t> </a:t>
+            </a:r>
+            <a:r>
+              <a:rPr lang="en-US" dirty="0" err="1"/>
+              <a:t>melalui</a:t>
+            </a:r>
+            <a:r>
+              <a:rPr lang="en-US" dirty="0"/>
+              <a:t> </a:t>
+            </a:r>
+            <a:r>
+              <a:rPr lang="en-US" dirty="0" err="1"/>
+              <a:t>ponsel</a:t>
+            </a:r>
+            <a:r>
+              <a:rPr lang="en-US" dirty="0"/>
+              <a:t> </a:t>
+            </a:r>
+            <a:r>
+              <a:rPr lang="en-US" dirty="0" err="1"/>
+              <a:t>pintar</a:t>
+            </a:r>
+            <a:r>
+              <a:rPr lang="en-US" dirty="0"/>
+              <a:t>, tablet </a:t>
+            </a:r>
+            <a:r>
+              <a:rPr lang="en-US" dirty="0" err="1"/>
+              <a:t>dan</a:t>
+            </a:r>
+            <a:r>
+              <a:rPr lang="en-US" dirty="0"/>
+              <a:t> laptop</a:t>
+            </a:r>
+            <a:r>
+              <a:rPr lang="en-US" dirty="0" smtClean="0"/>
+              <a:t>. </a:t>
+            </a:r>
+          </a:p>
+          <a:p>
+            <a:endParaRPr lang="en-US" dirty="0" smtClean="0"/>
+          </a:p>
+          <a:p>
+            <a:r>
+              <a:rPr lang="en-US" dirty="0" err="1" smtClean="0"/>
+              <a:t>Salah</a:t>
+            </a:r>
+            <a:r>
+              <a:rPr lang="en-US" dirty="0" smtClean="0"/>
+              <a:t> </a:t>
+            </a:r>
+            <a:r>
+              <a:rPr lang="en-US" dirty="0" err="1" smtClean="0"/>
+              <a:t>satu</a:t>
+            </a:r>
+            <a:r>
+              <a:rPr lang="en-US" dirty="0" smtClean="0"/>
+              <a:t> </a:t>
+            </a:r>
+            <a:r>
+              <a:rPr lang="en-US" dirty="0" err="1" smtClean="0"/>
+              <a:t>contoh</a:t>
+            </a:r>
+            <a:r>
+              <a:rPr lang="en-US" dirty="0" smtClean="0"/>
+              <a:t> </a:t>
+            </a:r>
+            <a:r>
+              <a:rPr lang="en-US" dirty="0" err="1" smtClean="0"/>
+              <a:t>sensornya</a:t>
+            </a:r>
+            <a:r>
+              <a:rPr lang="en-US" dirty="0" smtClean="0"/>
+              <a:t> </a:t>
+            </a:r>
+            <a:r>
+              <a:rPr lang="en-US" dirty="0" err="1" smtClean="0"/>
+              <a:t>adalah</a:t>
+            </a:r>
+            <a:r>
+              <a:rPr lang="en-US" dirty="0" smtClean="0"/>
+              <a:t> Sensor </a:t>
+            </a:r>
+            <a:r>
+              <a:rPr lang="en-US" dirty="0" err="1" smtClean="0"/>
+              <a:t>Zepp</a:t>
+            </a:r>
+            <a:r>
+              <a:rPr lang="en-US" dirty="0" smtClean="0"/>
+              <a:t> Golf</a:t>
+            </a:r>
+            <a:endParaRPr lang="en-US" dirty="0"/>
+          </a:p>
+        </p:txBody>
+      </p:sp>
+    </p:spTree>
+  </p:cSld>
+  <p:clrMapOvr>
+    <a:masterClrMapping/>
+  </p:clrMapOvr>
+</p:sld>
+</file>
+
+<file path=ppt/slides/slide8.xml><?xml version="1.0" encoding="utf-8"?>
+<p:sld xmlns:a="http://schemas.openxmlformats.org/drawingml/2006/main" xmlns:r="http://schemas.openxmlformats.org/officeDocument/2006/relationships" xmlns:p="http://schemas.openxmlformats.org/presentationml/2006/main">
+  <p:cSld>
+    <p:spTree>
+      <p:nvGrpSpPr>
+        <p:cNvPr id="1" name=""/>
+        <p:cNvGrpSpPr/>
+        <p:nvPr/>
+      </p:nvGrpSpPr>
+      <p:grpSpPr>
+        <a:xfrm>
+          <a:off x="0" y="0"/>
+          <a:ext cx="0" cy="0"/>
+          <a:chOff x="0" y="0"/>
+          <a:chExt cx="0" cy="0"/>
+        </a:xfrm>
+      </p:grpSpPr>
+      <p:sp>
+        <p:nvSpPr>
           <p:cNvPr id="2" name="Title 1"/>
           <p:cNvSpPr>
             <a:spLocks noGrp="1"/>
@@ -4660,7 +7241,7 @@
 </p:sld>
 </file>
 
-<file path=ppt/slides/slide4.xml><?xml version="1.0" encoding="utf-8"?>
+<file path=ppt/slides/slide9.xml><?xml version="1.0" encoding="utf-8"?>
 <p:sld xmlns:a="http://schemas.openxmlformats.org/drawingml/2006/main" xmlns:r="http://schemas.openxmlformats.org/officeDocument/2006/relationships" xmlns:p="http://schemas.openxmlformats.org/presentationml/2006/main">
   <p:cSld>
     <p:spTree>
@@ -5121,169 +7702,6 @@
           </a:p>
         </p:txBody>
       </p:sp>
-    </p:spTree>
-  </p:cSld>
-  <p:clrMapOvr>
-    <a:masterClrMapping/>
-  </p:clrMapOvr>
-</p:sld>
-</file>
-
-<file path=ppt/slides/slide5.xml><?xml version="1.0" encoding="utf-8"?>
-<p:sld xmlns:a="http://schemas.openxmlformats.org/drawingml/2006/main" xmlns:r="http://schemas.openxmlformats.org/officeDocument/2006/relationships" xmlns:p="http://schemas.openxmlformats.org/presentationml/2006/main">
-  <p:cSld>
-    <p:spTree>
-      <p:nvGrpSpPr>
-        <p:cNvPr id="1" name=""/>
-        <p:cNvGrpSpPr/>
-        <p:nvPr/>
-      </p:nvGrpSpPr>
-      <p:grpSpPr>
-        <a:xfrm>
-          <a:off x="0" y="0"/>
-          <a:ext cx="0" cy="0"/>
-          <a:chOff x="0" y="0"/>
-          <a:chExt cx="0" cy="0"/>
-        </a:xfrm>
-      </p:grpSpPr>
-      <p:sp>
-        <p:nvSpPr>
-          <p:cNvPr id="2" name="Title 1"/>
-          <p:cNvSpPr>
-            <a:spLocks noGrp="1"/>
-          </p:cNvSpPr>
-          <p:nvPr>
-            <p:ph type="title"/>
-          </p:nvPr>
-        </p:nvSpPr>
-        <p:spPr>
-          <a:xfrm>
-            <a:off x="457200" y="533400"/>
-            <a:ext cx="7391400" cy="1051560"/>
-          </a:xfrm>
-        </p:spPr>
-        <p:txBody>
-          <a:bodyPr>
-            <a:normAutofit fontScale="90000"/>
-          </a:bodyPr>
-          <a:lstStyle/>
-          <a:p>
-            <a:r>
-              <a:rPr lang="en-US" dirty="0" smtClean="0"/>
-              <a:t>FITUR – FITUR PADA ZEPP GOLF </a:t>
-            </a:r>
-            <a:endParaRPr lang="en-US" dirty="0"/>
-          </a:p>
-        </p:txBody>
-      </p:sp>
-      <p:sp>
-        <p:nvSpPr>
-          <p:cNvPr id="4" name="TextBox 3"/>
-          <p:cNvSpPr txBox="1"/>
-          <p:nvPr/>
-        </p:nvSpPr>
-        <p:spPr>
-          <a:xfrm>
-            <a:off x="533400" y="2133600"/>
-            <a:ext cx="3810000" cy="2308324"/>
-          </a:xfrm>
-          <a:prstGeom prst="rect">
-            <a:avLst/>
-          </a:prstGeom>
-          <a:noFill/>
-        </p:spPr>
-        <p:txBody>
-          <a:bodyPr wrap="square" rtlCol="0">
-            <a:spAutoFit/>
-          </a:bodyPr>
-          <a:lstStyle/>
-          <a:p>
-            <a:pPr>
-              <a:buFont typeface="Wingdings" pitchFamily="2" charset="2"/>
-              <a:buChar char="ü"/>
-            </a:pPr>
-            <a:r>
-              <a:rPr lang="en-US" dirty="0" smtClean="0"/>
-              <a:t>3D SWING ANALYSIS</a:t>
-            </a:r>
-          </a:p>
-          <a:p>
-            <a:endParaRPr lang="en-US" dirty="0" smtClean="0"/>
-          </a:p>
-          <a:p>
-            <a:pPr>
-              <a:buFont typeface="Wingdings" pitchFamily="2" charset="2"/>
-              <a:buChar char="ü"/>
-            </a:pPr>
-            <a:r>
-              <a:rPr lang="en-US" dirty="0" smtClean="0"/>
-              <a:t>INSTANT EVALUATION</a:t>
-            </a:r>
-          </a:p>
-          <a:p>
-            <a:endParaRPr lang="en-US" dirty="0" smtClean="0"/>
-          </a:p>
-          <a:p>
-            <a:pPr>
-              <a:buFont typeface="Wingdings" pitchFamily="2" charset="2"/>
-              <a:buChar char="ü"/>
-            </a:pPr>
-            <a:r>
-              <a:rPr lang="en-US" dirty="0" smtClean="0"/>
-              <a:t>SMART COACH</a:t>
-            </a:r>
-          </a:p>
-          <a:p>
-            <a:pPr>
-              <a:buFont typeface="Wingdings" pitchFamily="2" charset="2"/>
-              <a:buChar char="ü"/>
-            </a:pPr>
-            <a:endParaRPr lang="en-US" dirty="0"/>
-          </a:p>
-          <a:p>
-            <a:pPr>
-              <a:buFont typeface="Wingdings" pitchFamily="2" charset="2"/>
-              <a:buChar char="ü"/>
-            </a:pPr>
-            <a:endParaRPr lang="en-US" dirty="0" smtClean="0"/>
-          </a:p>
-          <a:p>
-            <a:endParaRPr lang="en-US" dirty="0"/>
-          </a:p>
-        </p:txBody>
-      </p:sp>
-      <p:pic>
-        <p:nvPicPr>
-          <p:cNvPr id="28675" name="Picture 3"/>
-          <p:cNvPicPr>
-            <a:picLocks noChangeAspect="1" noChangeArrowheads="1"/>
-          </p:cNvPicPr>
-          <p:nvPr/>
-        </p:nvPicPr>
-        <p:blipFill>
-          <a:blip r:embed="rId2" cstate="print"/>
-          <a:srcRect/>
-          <a:stretch>
-            <a:fillRect/>
-          </a:stretch>
-        </p:blipFill>
-        <p:spPr bwMode="auto">
-          <a:xfrm>
-            <a:off x="3733800" y="1828800"/>
-            <a:ext cx="4895850" cy="2802697"/>
-          </a:xfrm>
-          <a:prstGeom prst="rect">
-            <a:avLst/>
-          </a:prstGeom>
-          <a:noFill/>
-          <a:ln w="9525">
-            <a:noFill/>
-            <a:miter lim="800000"/>
-            <a:headEnd/>
-            <a:tailEnd/>
-          </a:ln>
-        </p:spPr>
-      </p:pic>
     </p:spTree>
   </p:cSld>
   <p:clrMapOvr>

--- a/Tugas 3/Kelompok 4.pptx
+++ b/Tugas 3/Kelompok 4.pptx
@@ -3916,6 +3916,13 @@
               </a:rPr>
               <a:t>Fahriza</a:t>
             </a:r>
+            <a:r>
+              <a:rPr lang="en-US" sz="1800" dirty="0">
+                <a:latin typeface="Arial" panose="020B0604020202020204" pitchFamily="34" charset="0"/>
+                <a:cs typeface="Arial" panose="020B0604020202020204" pitchFamily="34" charset="0"/>
+              </a:rPr>
+              <a:t> - 54415678</a:t>
+            </a:r>
             <a:endParaRPr lang="en-US" sz="1800" dirty="0" smtClean="0">
               <a:latin typeface="Arial" panose="020B0604020202020204" pitchFamily="34" charset="0"/>
               <a:cs typeface="Arial" panose="020B0604020202020204" pitchFamily="34" charset="0"/>
@@ -3946,6 +3953,20 @@
               </a:rPr>
               <a:t>Satria</a:t>
             </a:r>
+            <a:r>
+              <a:rPr lang="en-US" sz="1800" dirty="0" smtClean="0">
+                <a:latin typeface="Arial" panose="020B0604020202020204" pitchFamily="34" charset="0"/>
+                <a:cs typeface="Arial" panose="020B0604020202020204" pitchFamily="34" charset="0"/>
+              </a:rPr>
+              <a:t> </a:t>
+            </a:r>
+            <a:r>
+              <a:rPr lang="en-US" sz="1800" dirty="0">
+                <a:latin typeface="Arial" panose="020B0604020202020204" pitchFamily="34" charset="0"/>
+                <a:cs typeface="Arial" panose="020B0604020202020204" pitchFamily="34" charset="0"/>
+              </a:rPr>
+              <a:t>- 56415570</a:t>
+            </a:r>
             <a:endParaRPr lang="en-US" sz="1800" dirty="0" smtClean="0">
               <a:latin typeface="Arial" panose="020B0604020202020204" pitchFamily="34" charset="0"/>
               <a:cs typeface="Arial" panose="020B0604020202020204" pitchFamily="34" charset="0"/>
@@ -3956,11 +3977,18 @@
               <a:buNone/>
             </a:pPr>
             <a:r>
-              <a:rPr lang="en-US" sz="1800" dirty="0" smtClean="0">
-                <a:latin typeface="Arial" panose="020B0604020202020204" pitchFamily="34" charset="0"/>
-                <a:cs typeface="Arial" panose="020B0604020202020204" pitchFamily="34" charset="0"/>
-              </a:rPr>
-              <a:t>Yudha Patria</a:t>
+              <a:rPr lang="en-US" sz="1800" smtClean="0">
+                <a:latin typeface="Arial" panose="020B0604020202020204" pitchFamily="34" charset="0"/>
+                <a:cs typeface="Arial" panose="020B0604020202020204" pitchFamily="34" charset="0"/>
+              </a:rPr>
+              <a:t>Yudha </a:t>
+            </a:r>
+            <a:r>
+              <a:rPr lang="en-US" sz="1800" smtClean="0">
+                <a:latin typeface="Arial" panose="020B0604020202020204" pitchFamily="34" charset="0"/>
+                <a:cs typeface="Arial" panose="020B0604020202020204" pitchFamily="34" charset="0"/>
+              </a:rPr>
+              <a:t>Patria - 57415312</a:t>
             </a:r>
             <a:endParaRPr lang="en-US" sz="1800" dirty="0">
               <a:latin typeface="Arial" panose="020B0604020202020204" pitchFamily="34" charset="0"/>
